--- a/De 0 a full stack!.pptx
+++ b/De 0 a full stack!.pptx
@@ -23,6 +23,9 @@
     <p:sldId id="265" r:id="rId17"/>
     <p:sldId id="266" r:id="rId18"/>
     <p:sldId id="267" r:id="rId19"/>
+    <p:sldId id="274" r:id="rId20"/>
+    <p:sldId id="275" r:id="rId21"/>
+    <p:sldId id="276" r:id="rId22"/>
   </p:sldIdLst>
   <p:sldSz cx="9144000" cy="6858000" type="screen4x3"/>
   <p:notesSz cx="6858000" cy="9144000"/>
@@ -4879,6 +4882,44 @@
           </a:p>
         </p:txBody>
       </p:sp>
+      <p:sp>
+        <p:nvSpPr>
+          <p:cNvPr id="4" name="TextBox 3"/>
+          <p:cNvSpPr txBox="1"/>
+          <p:nvPr/>
+        </p:nvSpPr>
+        <p:spPr>
+          <a:xfrm>
+            <a:off x="3491880" y="6165304"/>
+            <a:ext cx="5796136" cy="646331"/>
+          </a:xfrm>
+          <a:prstGeom prst="rect">
+            <a:avLst/>
+          </a:prstGeom>
+          <a:noFill/>
+        </p:spPr>
+        <p:txBody>
+          <a:bodyPr wrap="square" rtlCol="0">
+            <a:spAutoFit/>
+          </a:bodyPr>
+          <a:lstStyle/>
+          <a:p>
+            <a:r>
+              <a:rPr lang="es-AR" dirty="0" smtClean="0">
+                <a:hlinkClick r:id="rId2"/>
+              </a:rPr>
+              <a:t>Panella.dante@gmail.com</a:t>
+            </a:r>
+            <a:endParaRPr lang="es-AR" dirty="0" smtClean="0"/>
+          </a:p>
+          <a:p>
+            <a:r>
+              <a:rPr lang="es-AR" dirty="0"/>
+              <a:t>https://www.linkedin.com/in/dante-panella-b3346a19/</a:t>
+            </a:r>
+          </a:p>
+        </p:txBody>
+      </p:sp>
     </p:spTree>
     <p:extLst>
       <p:ext uri="{BB962C8B-B14F-4D97-AF65-F5344CB8AC3E}">
@@ -6631,6 +6672,214 @@
 </p:sld>
 </file>
 
+<file path=ppt/slides/slide19.xml><?xml version="1.0" encoding="utf-8"?>
+<p:sld xmlns:a="http://schemas.openxmlformats.org/drawingml/2006/main" xmlns:r="http://schemas.openxmlformats.org/officeDocument/2006/relationships" xmlns:p="http://schemas.openxmlformats.org/presentationml/2006/main">
+  <p:cSld>
+    <p:spTree>
+      <p:nvGrpSpPr>
+        <p:cNvPr id="1" name=""/>
+        <p:cNvGrpSpPr/>
+        <p:nvPr/>
+      </p:nvGrpSpPr>
+      <p:grpSpPr>
+        <a:xfrm>
+          <a:off x="0" y="0"/>
+          <a:ext cx="0" cy="0"/>
+          <a:chOff x="0" y="0"/>
+          <a:chExt cx="0" cy="0"/>
+        </a:xfrm>
+      </p:grpSpPr>
+      <p:sp>
+        <p:nvSpPr>
+          <p:cNvPr id="2" name="Title 1"/>
+          <p:cNvSpPr>
+            <a:spLocks noGrp="1"/>
+          </p:cNvSpPr>
+          <p:nvPr>
+            <p:ph type="title"/>
+          </p:nvPr>
+        </p:nvSpPr>
+        <p:spPr/>
+        <p:txBody>
+          <a:bodyPr/>
+          <a:lstStyle/>
+          <a:p>
+            <a:r>
+              <a:rPr lang="es-AR" dirty="0" smtClean="0"/>
+              <a:t>Creando una aplicación con Java Web</a:t>
+            </a:r>
+            <a:endParaRPr lang="es-AR" dirty="0"/>
+          </a:p>
+        </p:txBody>
+      </p:sp>
+      <p:sp>
+        <p:nvSpPr>
+          <p:cNvPr id="3" name="Content Placeholder 2"/>
+          <p:cNvSpPr>
+            <a:spLocks noGrp="1"/>
+          </p:cNvSpPr>
+          <p:nvPr>
+            <p:ph idx="1"/>
+          </p:nvPr>
+        </p:nvSpPr>
+        <p:spPr>
+          <a:xfrm>
+            <a:off x="822960" y="1100628"/>
+            <a:ext cx="5189200" cy="3579849"/>
+          </a:xfrm>
+        </p:spPr>
+        <p:txBody>
+          <a:bodyPr>
+            <a:normAutofit fontScale="85000" lnSpcReduction="10000"/>
+          </a:bodyPr>
+          <a:lstStyle/>
+          <a:p>
+            <a:r>
+              <a:rPr lang="es-AR" dirty="0" smtClean="0"/>
+              <a:t>El POM es clave, pero que es el POM y una aplicación </a:t>
+            </a:r>
+            <a:r>
+              <a:rPr lang="es-AR" dirty="0" err="1" smtClean="0"/>
+              <a:t>Maven</a:t>
+            </a:r>
+            <a:r>
+              <a:rPr lang="es-AR" dirty="0" smtClean="0"/>
+              <a:t>, acaso no era una aplicación java web?</a:t>
+            </a:r>
+          </a:p>
+          <a:p>
+            <a:pPr fontAlgn="base"/>
+            <a:r>
+              <a:rPr lang="es-AR" b="0" u="sng" dirty="0" err="1">
+                <a:hlinkClick r:id="rId2"/>
+              </a:rPr>
+              <a:t>Maven</a:t>
+            </a:r>
+            <a:r>
+              <a:rPr lang="es-AR" b="0" dirty="0"/>
+              <a:t> es una herramienta open-</a:t>
+            </a:r>
+            <a:r>
+              <a:rPr lang="es-AR" b="0" dirty="0" err="1"/>
+              <a:t>source</a:t>
+            </a:r>
+            <a:r>
+              <a:rPr lang="es-AR" b="0" dirty="0"/>
+              <a:t>, que se creó en 2001 con el objetivo de simplificar los procesos de </a:t>
+            </a:r>
+            <a:r>
+              <a:rPr lang="es-AR" b="0" dirty="0" err="1"/>
+              <a:t>build</a:t>
+            </a:r>
+            <a:r>
+              <a:rPr lang="es-AR" b="0" dirty="0"/>
+              <a:t> (compilar y generar ejecutables a partir del código fuente).</a:t>
+            </a:r>
+          </a:p>
+          <a:p>
+            <a:pPr fontAlgn="base"/>
+            <a:r>
+              <a:rPr lang="es-AR" b="0" dirty="0"/>
+              <a:t>Antes de que </a:t>
+            </a:r>
+            <a:r>
+              <a:rPr lang="es-AR" b="0" dirty="0" err="1"/>
+              <a:t>Maven</a:t>
+            </a:r>
+            <a:r>
+              <a:rPr lang="es-AR" b="0" dirty="0"/>
+              <a:t> proporcionara una interfaz común para hacer </a:t>
+            </a:r>
+            <a:r>
+              <a:rPr lang="es-AR" b="0" dirty="0" err="1"/>
+              <a:t>builds</a:t>
+            </a:r>
+            <a:r>
+              <a:rPr lang="es-AR" b="0" dirty="0"/>
+              <a:t> del software, cada proyecto solía tener a alguna persona dedicada exclusivamente a configurar el proceso de </a:t>
+            </a:r>
+            <a:r>
+              <a:rPr lang="es-AR" b="0" dirty="0" err="1"/>
+              <a:t>build</a:t>
+            </a:r>
+            <a:r>
+              <a:rPr lang="es-AR" b="0" dirty="0"/>
+              <a:t>.</a:t>
+            </a:r>
+          </a:p>
+          <a:p>
+            <a:pPr fontAlgn="base"/>
+            <a:r>
+              <a:rPr lang="es-AR" b="0" dirty="0"/>
+              <a:t>Además, los desarrolladores tenían que perder tiempo en aprender las peculiaridades de cada nuevo proyecto en el que participaban.</a:t>
+            </a:r>
+          </a:p>
+          <a:p>
+            <a:pPr fontAlgn="base"/>
+            <a:r>
+              <a:rPr lang="es-AR" b="0" dirty="0"/>
+              <a:t>Si queríamos compilar y generar ejecutables de un proyecto, teníamos que analizar qué partes de código se debían compilar, qué librerías utilizaba el código, dónde incluirlas, qué dependencias de compilación había en el proyecto…</a:t>
+            </a:r>
+          </a:p>
+          <a:p>
+            <a:endParaRPr lang="es-AR" dirty="0"/>
+          </a:p>
+        </p:txBody>
+      </p:sp>
+      <p:pic>
+        <p:nvPicPr>
+          <p:cNvPr id="4098" name="Picture 2" descr="Captura de pantalla 2014-06-04 a las 23.23.32"/>
+          <p:cNvPicPr>
+            <a:picLocks noChangeAspect="1" noChangeArrowheads="1"/>
+          </p:cNvPicPr>
+          <p:nvPr/>
+        </p:nvPicPr>
+        <p:blipFill>
+          <a:blip r:embed="rId3">
+            <a:extLst>
+              <a:ext uri="{28A0092B-C50C-407E-A947-70E740481C1C}">
+                <a14:useLocalDpi xmlns:a14="http://schemas.microsoft.com/office/drawing/2010/main" val="0"/>
+              </a:ext>
+            </a:extLst>
+          </a:blip>
+          <a:srcRect/>
+          <a:stretch>
+            <a:fillRect/>
+          </a:stretch>
+        </p:blipFill>
+        <p:spPr bwMode="auto">
+          <a:xfrm>
+            <a:off x="6084168" y="1052736"/>
+            <a:ext cx="3059832" cy="3744416"/>
+          </a:xfrm>
+          <a:prstGeom prst="rect">
+            <a:avLst/>
+          </a:prstGeom>
+          <a:noFill/>
+          <a:extLst>
+            <a:ext uri="{909E8E84-426E-40DD-AFC4-6F175D3DCCD1}">
+              <a14:hiddenFill xmlns:a14="http://schemas.microsoft.com/office/drawing/2010/main">
+                <a:solidFill>
+                  <a:srgbClr val="FFFFFF"/>
+                </a:solidFill>
+              </a14:hiddenFill>
+            </a:ext>
+          </a:extLst>
+        </p:spPr>
+      </p:pic>
+    </p:spTree>
+    <p:extLst>
+      <p:ext uri="{BB962C8B-B14F-4D97-AF65-F5344CB8AC3E}">
+        <p14:creationId xmlns:p14="http://schemas.microsoft.com/office/powerpoint/2010/main" val="2578946500"/>
+      </p:ext>
+    </p:extLst>
+  </p:cSld>
+  <p:clrMapOvr>
+    <a:masterClrMapping/>
+  </p:clrMapOvr>
+</p:sld>
+</file>
+
 <file path=ppt/slides/slide2.xml><?xml version="1.0" encoding="utf-8"?>
 <p:sld xmlns:a="http://schemas.openxmlformats.org/drawingml/2006/main" xmlns:r="http://schemas.openxmlformats.org/officeDocument/2006/relationships" xmlns:p="http://schemas.openxmlformats.org/presentationml/2006/main">
   <p:cSld>
@@ -6942,6 +7191,278 @@
     <p:extLst>
       <p:ext uri="{BB962C8B-B14F-4D97-AF65-F5344CB8AC3E}">
         <p14:creationId xmlns:p14="http://schemas.microsoft.com/office/powerpoint/2010/main" val="1026734031"/>
+      </p:ext>
+    </p:extLst>
+  </p:cSld>
+  <p:clrMapOvr>
+    <a:masterClrMapping/>
+  </p:clrMapOvr>
+</p:sld>
+</file>
+
+<file path=ppt/slides/slide20.xml><?xml version="1.0" encoding="utf-8"?>
+<p:sld xmlns:a="http://schemas.openxmlformats.org/drawingml/2006/main" xmlns:r="http://schemas.openxmlformats.org/officeDocument/2006/relationships" xmlns:p="http://schemas.openxmlformats.org/presentationml/2006/main">
+  <p:cSld>
+    <p:spTree>
+      <p:nvGrpSpPr>
+        <p:cNvPr id="1" name=""/>
+        <p:cNvGrpSpPr/>
+        <p:nvPr/>
+      </p:nvGrpSpPr>
+      <p:grpSpPr>
+        <a:xfrm>
+          <a:off x="0" y="0"/>
+          <a:ext cx="0" cy="0"/>
+          <a:chOff x="0" y="0"/>
+          <a:chExt cx="0" cy="0"/>
+        </a:xfrm>
+      </p:grpSpPr>
+      <p:sp>
+        <p:nvSpPr>
+          <p:cNvPr id="2" name="Title 1"/>
+          <p:cNvSpPr>
+            <a:spLocks noGrp="1"/>
+          </p:cNvSpPr>
+          <p:nvPr>
+            <p:ph type="title"/>
+          </p:nvPr>
+        </p:nvSpPr>
+        <p:spPr/>
+        <p:txBody>
+          <a:bodyPr/>
+          <a:lstStyle/>
+          <a:p>
+            <a:r>
+              <a:rPr lang="es-AR" dirty="0" smtClean="0"/>
+              <a:t>Un poco de arquitectura java</a:t>
+            </a:r>
+            <a:endParaRPr lang="es-AR" dirty="0"/>
+          </a:p>
+        </p:txBody>
+      </p:sp>
+      <p:pic>
+        <p:nvPicPr>
+          <p:cNvPr id="5122" name="Picture 2" descr="Image result for java spring boot rest architecture"/>
+          <p:cNvPicPr>
+            <a:picLocks noChangeAspect="1" noChangeArrowheads="1"/>
+          </p:cNvPicPr>
+          <p:nvPr/>
+        </p:nvPicPr>
+        <p:blipFill>
+          <a:blip r:embed="rId2">
+            <a:extLst>
+              <a:ext uri="{28A0092B-C50C-407E-A947-70E740481C1C}">
+                <a14:useLocalDpi xmlns:a14="http://schemas.microsoft.com/office/drawing/2010/main" val="0"/>
+              </a:ext>
+            </a:extLst>
+          </a:blip>
+          <a:srcRect/>
+          <a:stretch>
+            <a:fillRect/>
+          </a:stretch>
+        </p:blipFill>
+        <p:spPr bwMode="auto">
+          <a:xfrm>
+            <a:off x="827584" y="934118"/>
+            <a:ext cx="7776864" cy="3639990"/>
+          </a:xfrm>
+          <a:prstGeom prst="rect">
+            <a:avLst/>
+          </a:prstGeom>
+          <a:noFill/>
+          <a:extLst>
+            <a:ext uri="{909E8E84-426E-40DD-AFC4-6F175D3DCCD1}">
+              <a14:hiddenFill xmlns:a14="http://schemas.microsoft.com/office/drawing/2010/main">
+                <a:solidFill>
+                  <a:srgbClr val="FFFFFF"/>
+                </a:solidFill>
+              </a14:hiddenFill>
+            </a:ext>
+          </a:extLst>
+        </p:spPr>
+      </p:pic>
+    </p:spTree>
+    <p:extLst>
+      <p:ext uri="{BB962C8B-B14F-4D97-AF65-F5344CB8AC3E}">
+        <p14:creationId xmlns:p14="http://schemas.microsoft.com/office/powerpoint/2010/main" val="1881436296"/>
+      </p:ext>
+    </p:extLst>
+  </p:cSld>
+  <p:clrMapOvr>
+    <a:masterClrMapping/>
+  </p:clrMapOvr>
+</p:sld>
+</file>
+
+<file path=ppt/slides/slide21.xml><?xml version="1.0" encoding="utf-8"?>
+<p:sld xmlns:a="http://schemas.openxmlformats.org/drawingml/2006/main" xmlns:r="http://schemas.openxmlformats.org/officeDocument/2006/relationships" xmlns:p="http://schemas.openxmlformats.org/presentationml/2006/main">
+  <p:cSld>
+    <p:spTree>
+      <p:nvGrpSpPr>
+        <p:cNvPr id="1" name=""/>
+        <p:cNvGrpSpPr/>
+        <p:nvPr/>
+      </p:nvGrpSpPr>
+      <p:grpSpPr>
+        <a:xfrm>
+          <a:off x="0" y="0"/>
+          <a:ext cx="0" cy="0"/>
+          <a:chOff x="0" y="0"/>
+          <a:chExt cx="0" cy="0"/>
+        </a:xfrm>
+      </p:grpSpPr>
+      <p:sp>
+        <p:nvSpPr>
+          <p:cNvPr id="2" name="Title 1"/>
+          <p:cNvSpPr>
+            <a:spLocks noGrp="1"/>
+          </p:cNvSpPr>
+          <p:nvPr>
+            <p:ph type="title"/>
+          </p:nvPr>
+        </p:nvSpPr>
+        <p:spPr/>
+        <p:txBody>
+          <a:bodyPr/>
+          <a:lstStyle/>
+          <a:p>
+            <a:r>
+              <a:rPr lang="es-AR" dirty="0" smtClean="0"/>
+              <a:t>Y Si nos </a:t>
+            </a:r>
+            <a:r>
+              <a:rPr lang="es-AR" dirty="0" err="1" smtClean="0"/>
+              <a:t>enfretamos</a:t>
+            </a:r>
+            <a:r>
+              <a:rPr lang="es-AR" dirty="0" smtClean="0"/>
+              <a:t> al </a:t>
+            </a:r>
+            <a:r>
+              <a:rPr lang="es-AR" dirty="0" err="1" smtClean="0"/>
+              <a:t>Cors</a:t>
+            </a:r>
+            <a:r>
+              <a:rPr lang="es-AR" dirty="0" smtClean="0"/>
+              <a:t> que hacer?</a:t>
+            </a:r>
+            <a:endParaRPr lang="es-AR" dirty="0"/>
+          </a:p>
+        </p:txBody>
+      </p:sp>
+      <p:sp>
+        <p:nvSpPr>
+          <p:cNvPr id="3" name="Content Placeholder 2"/>
+          <p:cNvSpPr>
+            <a:spLocks noGrp="1"/>
+          </p:cNvSpPr>
+          <p:nvPr>
+            <p:ph idx="1"/>
+          </p:nvPr>
+        </p:nvSpPr>
+        <p:spPr/>
+        <p:txBody>
+          <a:bodyPr/>
+          <a:lstStyle/>
+          <a:p>
+            <a:r>
+              <a:rPr lang="es-AR" dirty="0"/>
+              <a:t>CORS  (Cross </a:t>
+            </a:r>
+            <a:r>
+              <a:rPr lang="es-AR" dirty="0" err="1"/>
+              <a:t>Origin</a:t>
+            </a:r>
+            <a:r>
+              <a:rPr lang="es-AR" dirty="0"/>
+              <a:t> </a:t>
+            </a:r>
+            <a:r>
+              <a:rPr lang="es-AR" dirty="0" err="1"/>
+              <a:t>Resource</a:t>
+            </a:r>
+            <a:r>
+              <a:rPr lang="es-AR" dirty="0"/>
+              <a:t> </a:t>
+            </a:r>
+            <a:r>
+              <a:rPr lang="es-AR" dirty="0" err="1"/>
+              <a:t>Sharing</a:t>
+            </a:r>
+            <a:r>
+              <a:rPr lang="es-AR" dirty="0"/>
+              <a:t>)</a:t>
+            </a:r>
+            <a:r>
+              <a:rPr lang="es-AR" b="0" dirty="0"/>
+              <a:t> es una tecnología que cada día necesitamos utilizar más a la hora de desarrollar aplicaciones móviles y web. </a:t>
+            </a:r>
+            <a:r>
+              <a:rPr lang="es-AR" dirty="0"/>
+              <a:t>¿Cómo funciona exactamente?</a:t>
+            </a:r>
+            <a:r>
+              <a:rPr lang="es-AR" b="0" dirty="0"/>
+              <a:t> . En una aplicación web clásica nosotros podemos cargar una página y solicitar que esta cargue dinámicamente datos vía AJAX</a:t>
+            </a:r>
+            <a:r>
+              <a:rPr lang="es-AR" b="0" dirty="0" smtClean="0"/>
+              <a:t>.</a:t>
+            </a:r>
+          </a:p>
+          <a:p>
+            <a:endParaRPr lang="es-AR" b="0" dirty="0"/>
+          </a:p>
+          <a:p>
+            <a:endParaRPr lang="es-AR" dirty="0"/>
+          </a:p>
+        </p:txBody>
+      </p:sp>
+      <p:pic>
+        <p:nvPicPr>
+          <p:cNvPr id="6146" name="Picture 2" descr="diagrama1"/>
+          <p:cNvPicPr>
+            <a:picLocks noChangeAspect="1" noChangeArrowheads="1"/>
+          </p:cNvPicPr>
+          <p:nvPr/>
+        </p:nvPicPr>
+        <p:blipFill>
+          <a:blip r:embed="rId2">
+            <a:extLst>
+              <a:ext uri="{28A0092B-C50C-407E-A947-70E740481C1C}">
+                <a14:useLocalDpi xmlns:a14="http://schemas.microsoft.com/office/drawing/2010/main" val="0"/>
+              </a:ext>
+            </a:extLst>
+          </a:blip>
+          <a:srcRect/>
+          <a:stretch>
+            <a:fillRect/>
+          </a:stretch>
+        </p:blipFill>
+        <p:spPr bwMode="auto">
+          <a:xfrm>
+            <a:off x="1979712" y="2057304"/>
+            <a:ext cx="4824536" cy="2909888"/>
+          </a:xfrm>
+          <a:prstGeom prst="rect">
+            <a:avLst/>
+          </a:prstGeom>
+          <a:noFill/>
+          <a:extLst>
+            <a:ext uri="{909E8E84-426E-40DD-AFC4-6F175D3DCCD1}">
+              <a14:hiddenFill xmlns:a14="http://schemas.microsoft.com/office/drawing/2010/main">
+                <a:solidFill>
+                  <a:srgbClr val="FFFFFF"/>
+                </a:solidFill>
+              </a14:hiddenFill>
+            </a:ext>
+          </a:extLst>
+        </p:spPr>
+      </p:pic>
+    </p:spTree>
+    <p:extLst>
+      <p:ext uri="{BB962C8B-B14F-4D97-AF65-F5344CB8AC3E}">
+        <p14:creationId xmlns:p14="http://schemas.microsoft.com/office/powerpoint/2010/main" val="592608760"/>
       </p:ext>
     </p:extLst>
   </p:cSld>
@@ -7264,12 +7785,97 @@
           </a:p>
           <a:p>
             <a:r>
-              <a:rPr lang="es-AR" sz="3600" dirty="0"/>
-              <a:t>https://github.com/javautn/fullstack</a:t>
-            </a:r>
-          </a:p>
-        </p:txBody>
-      </p:sp>
+              <a:rPr lang="es-AR" sz="3600" dirty="0">
+                <a:hlinkClick r:id="rId2"/>
+              </a:rPr>
+              <a:t>https://</a:t>
+            </a:r>
+            <a:r>
+              <a:rPr lang="es-AR" sz="3600" dirty="0" smtClean="0">
+                <a:hlinkClick r:id="rId2"/>
+              </a:rPr>
+              <a:t>github.com/javautn/fullstack</a:t>
+            </a:r>
+            <a:endParaRPr lang="es-AR" sz="3600" dirty="0" smtClean="0"/>
+          </a:p>
+          <a:p>
+            <a:endParaRPr lang="es-AR" sz="3600" dirty="0"/>
+          </a:p>
+          <a:p>
+            <a:endParaRPr lang="es-AR" sz="3600" dirty="0" smtClean="0"/>
+          </a:p>
+          <a:p>
+            <a:r>
+              <a:rPr lang="es-AR" sz="1400" dirty="0"/>
+              <a:t>https://git-scm.com/downloads</a:t>
+            </a:r>
+          </a:p>
+        </p:txBody>
+      </p:sp>
+      <p:pic>
+        <p:nvPicPr>
+          <p:cNvPr id="3074" name="Picture 2"/>
+          <p:cNvPicPr>
+            <a:picLocks noChangeAspect="1" noChangeArrowheads="1"/>
+          </p:cNvPicPr>
+          <p:nvPr/>
+        </p:nvPicPr>
+        <p:blipFill>
+          <a:blip r:embed="rId3">
+            <a:extLst>
+              <a:ext uri="{28A0092B-C50C-407E-A947-70E740481C1C}">
+                <a14:useLocalDpi xmlns:a14="http://schemas.microsoft.com/office/drawing/2010/main" val="0"/>
+              </a:ext>
+            </a:extLst>
+          </a:blip>
+          <a:srcRect/>
+          <a:stretch>
+            <a:fillRect/>
+          </a:stretch>
+        </p:blipFill>
+        <p:spPr bwMode="auto">
+          <a:xfrm>
+            <a:off x="5580112" y="2420888"/>
+            <a:ext cx="3028950" cy="2514600"/>
+          </a:xfrm>
+          <a:prstGeom prst="rect">
+            <a:avLst/>
+          </a:prstGeom>
+          <a:noFill/>
+          <a:ln>
+            <a:noFill/>
+          </a:ln>
+          <a:effectLst/>
+          <a:extLst>
+            <a:ext uri="{909E8E84-426E-40DD-AFC4-6F175D3DCCD1}">
+              <a14:hiddenFill xmlns:a14="http://schemas.microsoft.com/office/drawing/2010/main">
+                <a:solidFill>
+                  <a:schemeClr val="accent1"/>
+                </a:solidFill>
+              </a14:hiddenFill>
+            </a:ext>
+            <a:ext uri="{91240B29-F687-4F45-9708-019B960494DF}">
+              <a14:hiddenLine xmlns:a14="http://schemas.microsoft.com/office/drawing/2010/main" w="9525">
+                <a:solidFill>
+                  <a:schemeClr val="tx1"/>
+                </a:solidFill>
+                <a:miter lim="800000"/>
+                <a:headEnd/>
+                <a:tailEnd/>
+              </a14:hiddenLine>
+            </a:ext>
+            <a:ext uri="{AF507438-7753-43E0-B8FC-AC1667EBCBE1}">
+              <a14:hiddenEffects xmlns:a14="http://schemas.microsoft.com/office/drawing/2010/main">
+                <a:effectLst>
+                  <a:outerShdw dist="35921" dir="2700000" algn="ctr" rotWithShape="0">
+                    <a:schemeClr val="bg2"/>
+                  </a:outerShdw>
+                </a:effectLst>
+              </a14:hiddenEffects>
+            </a:ext>
+          </a:extLst>
+        </p:spPr>
+      </p:pic>
     </p:spTree>
     <p:extLst>
       <p:ext uri="{BB962C8B-B14F-4D97-AF65-F5344CB8AC3E}">
@@ -7574,6 +8180,45 @@
               </a:rPr>
               <a:t>/</a:t>
             </a:r>
+            <a:endParaRPr lang="es-AR" dirty="0" smtClean="0"/>
+          </a:p>
+          <a:p>
+            <a:endParaRPr lang="es-AR" dirty="0"/>
+          </a:p>
+          <a:p>
+            <a:r>
+              <a:rPr lang="es-AR" dirty="0">
+                <a:hlinkClick r:id="rId5"/>
+              </a:rPr>
+              <a:t>https://www.thenewmobileworkforce.com</a:t>
+            </a:r>
+            <a:r>
+              <a:rPr lang="es-AR" dirty="0" smtClean="0">
+                <a:hlinkClick r:id="rId5"/>
+              </a:rPr>
+              <a:t>/</a:t>
+            </a:r>
+            <a:endParaRPr lang="es-AR" dirty="0" smtClean="0"/>
+          </a:p>
+          <a:p>
+            <a:endParaRPr lang="es-AR" dirty="0"/>
+          </a:p>
+          <a:p>
+            <a:r>
+              <a:rPr lang="es-AR" dirty="0">
+                <a:hlinkClick r:id="rId6"/>
+              </a:rPr>
+              <a:t>https://www.swiss.com/worldofswiss/en</a:t>
+            </a:r>
+            <a:r>
+              <a:rPr lang="es-AR" dirty="0" smtClean="0">
+                <a:hlinkClick r:id="rId6"/>
+              </a:rPr>
+              <a:t>/</a:t>
+            </a:r>
+            <a:endParaRPr lang="es-AR" dirty="0" smtClean="0"/>
+          </a:p>
+          <a:p>
             <a:endParaRPr lang="es-AR" dirty="0" smtClean="0"/>
           </a:p>
           <a:p>

--- a/De 0 a full stack!.pptx
+++ b/De 0 a full stack!.pptx
@@ -14,18 +14,20 @@
     <p:sldId id="270" r:id="rId8"/>
     <p:sldId id="271" r:id="rId9"/>
     <p:sldId id="272" r:id="rId10"/>
-    <p:sldId id="259" r:id="rId11"/>
-    <p:sldId id="260" r:id="rId12"/>
-    <p:sldId id="261" r:id="rId13"/>
-    <p:sldId id="262" r:id="rId14"/>
-    <p:sldId id="263" r:id="rId15"/>
-    <p:sldId id="264" r:id="rId16"/>
-    <p:sldId id="265" r:id="rId17"/>
-    <p:sldId id="266" r:id="rId18"/>
-    <p:sldId id="267" r:id="rId19"/>
-    <p:sldId id="274" r:id="rId20"/>
-    <p:sldId id="275" r:id="rId21"/>
-    <p:sldId id="276" r:id="rId22"/>
+    <p:sldId id="261" r:id="rId11"/>
+    <p:sldId id="277" r:id="rId12"/>
+    <p:sldId id="278" r:id="rId13"/>
+    <p:sldId id="259" r:id="rId14"/>
+    <p:sldId id="260" r:id="rId15"/>
+    <p:sldId id="262" r:id="rId16"/>
+    <p:sldId id="263" r:id="rId17"/>
+    <p:sldId id="264" r:id="rId18"/>
+    <p:sldId id="265" r:id="rId19"/>
+    <p:sldId id="266" r:id="rId20"/>
+    <p:sldId id="267" r:id="rId21"/>
+    <p:sldId id="274" r:id="rId22"/>
+    <p:sldId id="275" r:id="rId23"/>
+    <p:sldId id="276" r:id="rId24"/>
   </p:sldIdLst>
   <p:sldSz cx="9144000" cy="6858000" type="screen4x3"/>
   <p:notesSz cx="6858000" cy="9144000"/>
@@ -4966,398 +4968,6 @@
           <a:lstStyle/>
           <a:p>
             <a:r>
-              <a:rPr lang="es-AR" dirty="0" err="1" smtClean="0"/>
-              <a:t>Introduccion</a:t>
-            </a:r>
-            <a:r>
-              <a:rPr lang="es-AR" dirty="0" smtClean="0"/>
-              <a:t> a la </a:t>
-            </a:r>
-            <a:r>
-              <a:rPr lang="es-AR" dirty="0" err="1" smtClean="0"/>
-              <a:t>programacion</a:t>
-            </a:r>
-            <a:endParaRPr lang="es-AR" dirty="0"/>
-          </a:p>
-        </p:txBody>
-      </p:sp>
-      <p:sp>
-        <p:nvSpPr>
-          <p:cNvPr id="3" name="Content Placeholder 2"/>
-          <p:cNvSpPr>
-            <a:spLocks noGrp="1"/>
-          </p:cNvSpPr>
-          <p:nvPr>
-            <p:ph idx="1"/>
-          </p:nvPr>
-        </p:nvSpPr>
-        <p:spPr/>
-        <p:txBody>
-          <a:bodyPr>
-            <a:normAutofit fontScale="77500" lnSpcReduction="20000"/>
-          </a:bodyPr>
-          <a:lstStyle/>
-          <a:p>
-            <a:r>
-              <a:rPr lang="es-AR" b="0" dirty="0"/>
-              <a:t>Las siglas POO se corresponden con Programación Orientada a Objetos, aunque muchas veces las podemos encontrar escritas en inglés OOP (</a:t>
-            </a:r>
-            <a:r>
-              <a:rPr lang="es-AR" b="0" dirty="0" err="1"/>
-              <a:t>Object</a:t>
-            </a:r>
-            <a:r>
-              <a:rPr lang="es-AR" b="0" dirty="0"/>
-              <a:t> </a:t>
-            </a:r>
-            <a:r>
-              <a:rPr lang="es-AR" b="0" dirty="0" err="1"/>
-              <a:t>Oriented</a:t>
-            </a:r>
-            <a:r>
-              <a:rPr lang="es-AR" b="0" dirty="0"/>
-              <a:t> </a:t>
-            </a:r>
-            <a:r>
-              <a:rPr lang="es-AR" b="0" dirty="0" err="1"/>
-              <a:t>Programming</a:t>
-            </a:r>
-            <a:r>
-              <a:rPr lang="es-AR" b="0" dirty="0"/>
-              <a:t>). En este primer capítulo de este curso vamos a tratar de explicar de forma sencilla los principales conceptos y términos que se utilizan dentro de este tipo de programación, es decir, dentro de la Programación Orientada a Objetos. No vamos a entrar en sesudas divagaciones filosóficas respecto a la POO, sino que vamos a definir lo más claramente posible cada uno de los elementos clave que aparecen en la POO para después poder utilizarlos desde el lenguaje Java.</a:t>
-            </a:r>
-          </a:p>
-          <a:p>
-            <a:r>
-              <a:rPr lang="es-AR" b="0" dirty="0"/>
-              <a:t>Este capítulo es muy necesario debido a que el lenguaje Java, como veremos en el siguiente capítulo, es un lenguaje que se basa en la Programación Orientada a Objetos, por lo tanto para conocer el lenguaje Java, es necesario conocer la Programación Orientada a Objetos.</a:t>
-            </a:r>
-          </a:p>
-          <a:p>
-            <a:r>
-              <a:rPr lang="es-AR" b="0" dirty="0"/>
-              <a:t>La Programación Orientada a Objetos trata de utilizar una visión real del mundo dentro de nuestros programas. La visión que se tiene del mundo dentro de la POO es que se encuentra formado por objetos. Para comprender bien la POO debemos olvidar un poco la Programación Estructurada, que si nos fijamos bien es algo artificial, la POO es una forma de abordar los problemas más natural. Aquí natural significa más en contacto con el mundo real que nos rodea, de esta forma si queremos resolver un problema determinado, debemos identificar cada una de las partes del problema con objetos presentes en el mundo real.</a:t>
-            </a:r>
-          </a:p>
-          <a:p>
-            <a:r>
-              <a:rPr lang="es-AR" b="0" dirty="0"/>
-              <a:t>En esta definición de POO ya estamos haciendo referencia al elemento clave de la misma: el objeto. El objeto va a ser la modelización de los objetos que nos encontramos en el mundo real, estos objetos los vamos a utilizar en nuestros programas para dar la solución al problema que nos ocupe en cada caso.</a:t>
-            </a:r>
-          </a:p>
-          <a:p>
-            <a:endParaRPr lang="es-AR" dirty="0"/>
-          </a:p>
-        </p:txBody>
-      </p:sp>
-    </p:spTree>
-    <p:extLst>
-      <p:ext uri="{BB962C8B-B14F-4D97-AF65-F5344CB8AC3E}">
-        <p14:creationId xmlns:p14="http://schemas.microsoft.com/office/powerpoint/2010/main" val="4251083885"/>
-      </p:ext>
-    </p:extLst>
-  </p:cSld>
-  <p:clrMapOvr>
-    <a:masterClrMapping/>
-  </p:clrMapOvr>
-</p:sld>
-</file>
-
-<file path=ppt/slides/slide11.xml><?xml version="1.0" encoding="utf-8"?>
-<p:sld xmlns:a="http://schemas.openxmlformats.org/drawingml/2006/main" xmlns:r="http://schemas.openxmlformats.org/officeDocument/2006/relationships" xmlns:p="http://schemas.openxmlformats.org/presentationml/2006/main">
-  <p:cSld>
-    <p:spTree>
-      <p:nvGrpSpPr>
-        <p:cNvPr id="1" name=""/>
-        <p:cNvGrpSpPr/>
-        <p:nvPr/>
-      </p:nvGrpSpPr>
-      <p:grpSpPr>
-        <a:xfrm>
-          <a:off x="0" y="0"/>
-          <a:ext cx="0" cy="0"/>
-          <a:chOff x="0" y="0"/>
-          <a:chExt cx="0" cy="0"/>
-        </a:xfrm>
-      </p:grpSpPr>
-      <p:sp>
-        <p:nvSpPr>
-          <p:cNvPr id="2" name="Title 1"/>
-          <p:cNvSpPr>
-            <a:spLocks noGrp="1"/>
-          </p:cNvSpPr>
-          <p:nvPr>
-            <p:ph type="title"/>
-          </p:nvPr>
-        </p:nvSpPr>
-        <p:spPr/>
-        <p:txBody>
-          <a:bodyPr/>
-          <a:lstStyle/>
-          <a:p>
-            <a:r>
-              <a:rPr lang="es-AR" dirty="0" smtClean="0"/>
-              <a:t>Desarrollo web</a:t>
-            </a:r>
-            <a:endParaRPr lang="es-AR" dirty="0"/>
-          </a:p>
-        </p:txBody>
-      </p:sp>
-      <p:sp>
-        <p:nvSpPr>
-          <p:cNvPr id="3" name="Content Placeholder 2"/>
-          <p:cNvSpPr>
-            <a:spLocks noGrp="1"/>
-          </p:cNvSpPr>
-          <p:nvPr>
-            <p:ph idx="1"/>
-          </p:nvPr>
-        </p:nvSpPr>
-        <p:spPr/>
-        <p:txBody>
-          <a:bodyPr>
-            <a:normAutofit lnSpcReduction="10000"/>
-          </a:bodyPr>
-          <a:lstStyle/>
-          <a:p>
-            <a:r>
-              <a:rPr lang="es-AR" dirty="0"/>
-              <a:t>Desarrollo web</a:t>
-            </a:r>
-            <a:r>
-              <a:rPr lang="es-AR" b="0" dirty="0"/>
-              <a:t> es un término que define la creación de </a:t>
-            </a:r>
-            <a:r>
-              <a:rPr lang="es-AR" b="0" dirty="0">
-                <a:hlinkClick r:id="rId2" tooltip="Sitio web"/>
-              </a:rPr>
-              <a:t>sitios web</a:t>
-            </a:r>
-            <a:r>
-              <a:rPr lang="es-AR" b="0" dirty="0"/>
-              <a:t> para </a:t>
-            </a:r>
-            <a:r>
-              <a:rPr lang="es-AR" b="0" dirty="0">
-                <a:hlinkClick r:id="rId3" tooltip="Internet"/>
-              </a:rPr>
-              <a:t>Internet</a:t>
-            </a:r>
-            <a:r>
-              <a:rPr lang="es-AR" b="0" dirty="0"/>
-              <a:t> o una </a:t>
-            </a:r>
-            <a:r>
-              <a:rPr lang="es-AR" b="0" dirty="0">
-                <a:hlinkClick r:id="rId4" tooltip="Intranet"/>
-              </a:rPr>
-              <a:t>intranet</a:t>
-            </a:r>
-            <a:r>
-              <a:rPr lang="es-AR" b="0" dirty="0"/>
-              <a:t>. Para conseguirlo se hace uso de tecnologías de </a:t>
-            </a:r>
-            <a:r>
-              <a:rPr lang="es-AR" b="0" dirty="0">
-                <a:hlinkClick r:id="rId5" tooltip="Software"/>
-              </a:rPr>
-              <a:t>software</a:t>
-            </a:r>
-            <a:r>
-              <a:rPr lang="es-AR" b="0" dirty="0"/>
-              <a:t> del lado del servidor y del cliente que involucran una combinación de procesos de </a:t>
-            </a:r>
-            <a:r>
-              <a:rPr lang="es-AR" b="0" dirty="0">
-                <a:hlinkClick r:id="rId6" tooltip="Base de datos"/>
-              </a:rPr>
-              <a:t>base de </a:t>
-            </a:r>
-            <a:r>
-              <a:rPr lang="es-AR" b="0" dirty="0" err="1">
-                <a:hlinkClick r:id="rId6" tooltip="Base de datos"/>
-              </a:rPr>
-              <a:t>datos</a:t>
-            </a:r>
-            <a:r>
-              <a:rPr lang="es-AR" b="0" dirty="0" err="1"/>
-              <a:t>con</a:t>
-            </a:r>
-            <a:r>
-              <a:rPr lang="es-AR" b="0" dirty="0"/>
-              <a:t> el uso de un </a:t>
-            </a:r>
-            <a:r>
-              <a:rPr lang="es-AR" b="0" dirty="0">
-                <a:hlinkClick r:id="rId7" tooltip="Navegador web"/>
-              </a:rPr>
-              <a:t>navegador web</a:t>
-            </a:r>
-            <a:r>
-              <a:rPr lang="es-AR" b="0" dirty="0"/>
-              <a:t> a fin de realizar determinadas tareas o mostrar información.</a:t>
-            </a:r>
-          </a:p>
-          <a:p>
-            <a:r>
-              <a:rPr lang="es-AR" b="0" dirty="0"/>
-              <a:t>Tradicionalmente un software departamental o incluso un ambicioso proyecto corporativo de gran envergadura es desarrollado en forma </a:t>
-            </a:r>
-            <a:r>
-              <a:rPr lang="es-AR" b="0" dirty="0">
-                <a:hlinkClick r:id="rId8" tooltip="Stand alone (aún no redactado)"/>
-              </a:rPr>
-              <a:t>stand </a:t>
-            </a:r>
-            <a:r>
-              <a:rPr lang="es-AR" b="0" dirty="0" err="1">
-                <a:hlinkClick r:id="rId8" tooltip="Stand alone (aún no redactado)"/>
-              </a:rPr>
-              <a:t>alone</a:t>
-            </a:r>
-            <a:r>
-              <a:rPr lang="es-AR" b="0" dirty="0"/>
-              <a:t>, es decir, usando lenguajes ya sea compilados(</a:t>
-            </a:r>
-            <a:r>
-              <a:rPr lang="es-AR" b="0" dirty="0">
-                <a:hlinkClick r:id="rId9" tooltip="C"/>
-              </a:rPr>
-              <a:t>C</a:t>
-            </a:r>
-            <a:r>
-              <a:rPr lang="es-AR" b="0" dirty="0"/>
-              <a:t>, </a:t>
-            </a:r>
-            <a:r>
-              <a:rPr lang="es-AR" b="0" dirty="0">
-                <a:hlinkClick r:id="rId10" tooltip="C++"/>
-              </a:rPr>
-              <a:t>C++</a:t>
-            </a:r>
-            <a:r>
-              <a:rPr lang="es-AR" b="0" dirty="0"/>
-              <a:t>, </a:t>
-            </a:r>
-            <a:r>
-              <a:rPr lang="es-AR" b="0" dirty="0">
-                <a:hlinkClick r:id="rId11" tooltip="Delphi"/>
-              </a:rPr>
-              <a:t>Delphi</a:t>
-            </a:r>
-            <a:r>
-              <a:rPr lang="es-AR" b="0" dirty="0"/>
-              <a:t>), </a:t>
-            </a:r>
-            <a:r>
-              <a:rPr lang="es-AR" b="0" dirty="0" err="1"/>
-              <a:t>semicompilados</a:t>
-            </a:r>
-            <a:r>
-              <a:rPr lang="es-AR" b="0" dirty="0"/>
-              <a:t>(</a:t>
-            </a:r>
-            <a:r>
-              <a:rPr lang="es-AR" b="0" dirty="0">
-                <a:hlinkClick r:id="rId12" tooltip=".NET"/>
-              </a:rPr>
-              <a:t>.NET</a:t>
-            </a:r>
-            <a:r>
-              <a:rPr lang="es-AR" b="0" dirty="0"/>
-              <a:t>, </a:t>
-            </a:r>
-            <a:r>
-              <a:rPr lang="es-AR" b="0" dirty="0">
-                <a:hlinkClick r:id="rId13" tooltip="Proyecto Mono"/>
-              </a:rPr>
-              <a:t>Mono</a:t>
-            </a:r>
-            <a:r>
-              <a:rPr lang="es-AR" b="0" dirty="0"/>
-              <a:t>, </a:t>
-            </a:r>
-            <a:r>
-              <a:rPr lang="es-AR" b="0" dirty="0">
-                <a:hlinkClick r:id="rId14" tooltip="Plataforma Java"/>
-              </a:rPr>
-              <a:t>Java</a:t>
-            </a:r>
-            <a:r>
-              <a:rPr lang="es-AR" b="0" dirty="0"/>
-              <a:t>), o interpretados (</a:t>
-            </a:r>
-            <a:r>
-              <a:rPr lang="es-AR" b="0" dirty="0" err="1"/>
-              <a:t>Python</a:t>
-            </a:r>
-            <a:r>
-              <a:rPr lang="es-AR" b="0" dirty="0"/>
-              <a:t>, </a:t>
-            </a:r>
-            <a:r>
-              <a:rPr lang="es-AR" b="0" dirty="0">
-                <a:hlinkClick r:id="rId15" tooltip="PHP"/>
-              </a:rPr>
-              <a:t>PHP</a:t>
-            </a:r>
-            <a:r>
-              <a:rPr lang="es-AR" b="0" dirty="0"/>
-              <a:t>) para crear tanto la funcionalidad como toda la interfaz de los usuarios, pero cabe perfectamente un desarrollo orientado a web para dichos propósitos, siendo más homogéneo y multiplataforma, y dependiendo de las tecnologías utilizadas, más rápido y robusto tanto para diseñar, implementar y probar, como para su uso una vez terminado.</a:t>
-            </a:r>
-          </a:p>
-          <a:p>
-            <a:endParaRPr lang="es-AR" dirty="0"/>
-          </a:p>
-        </p:txBody>
-      </p:sp>
-    </p:spTree>
-    <p:extLst>
-      <p:ext uri="{BB962C8B-B14F-4D97-AF65-F5344CB8AC3E}">
-        <p14:creationId xmlns:p14="http://schemas.microsoft.com/office/powerpoint/2010/main" val="573126967"/>
-      </p:ext>
-    </p:extLst>
-  </p:cSld>
-  <p:clrMapOvr>
-    <a:masterClrMapping/>
-  </p:clrMapOvr>
-</p:sld>
-</file>
-
-<file path=ppt/slides/slide12.xml><?xml version="1.0" encoding="utf-8"?>
-<p:sld xmlns:a="http://schemas.openxmlformats.org/drawingml/2006/main" xmlns:r="http://schemas.openxmlformats.org/officeDocument/2006/relationships" xmlns:p="http://schemas.openxmlformats.org/presentationml/2006/main">
-  <p:cSld>
-    <p:spTree>
-      <p:nvGrpSpPr>
-        <p:cNvPr id="1" name=""/>
-        <p:cNvGrpSpPr/>
-        <p:nvPr/>
-      </p:nvGrpSpPr>
-      <p:grpSpPr>
-        <a:xfrm>
-          <a:off x="0" y="0"/>
-          <a:ext cx="0" cy="0"/>
-          <a:chOff x="0" y="0"/>
-          <a:chExt cx="0" cy="0"/>
-        </a:xfrm>
-      </p:grpSpPr>
-      <p:sp>
-        <p:nvSpPr>
-          <p:cNvPr id="2" name="Title 1"/>
-          <p:cNvSpPr>
-            <a:spLocks noGrp="1"/>
-          </p:cNvSpPr>
-          <p:nvPr>
-            <p:ph type="title"/>
-          </p:nvPr>
-        </p:nvSpPr>
-        <p:spPr/>
-        <p:txBody>
-          <a:bodyPr/>
-          <a:lstStyle/>
-          <a:p>
-            <a:r>
               <a:rPr lang="es-AR" dirty="0" smtClean="0"/>
               <a:t>Web </a:t>
             </a:r>
@@ -5498,6 +5108,357 @@
 </p:sld>
 </file>
 
+<file path=ppt/slides/slide11.xml><?xml version="1.0" encoding="utf-8"?>
+<p:sld xmlns:a="http://schemas.openxmlformats.org/drawingml/2006/main" xmlns:r="http://schemas.openxmlformats.org/officeDocument/2006/relationships" xmlns:p="http://schemas.openxmlformats.org/presentationml/2006/main">
+  <p:cSld>
+    <p:spTree>
+      <p:nvGrpSpPr>
+        <p:cNvPr id="1" name=""/>
+        <p:cNvGrpSpPr/>
+        <p:nvPr/>
+      </p:nvGrpSpPr>
+      <p:grpSpPr>
+        <a:xfrm>
+          <a:off x="0" y="0"/>
+          <a:ext cx="0" cy="0"/>
+          <a:chOff x="0" y="0"/>
+          <a:chExt cx="0" cy="0"/>
+        </a:xfrm>
+      </p:grpSpPr>
+      <p:sp>
+        <p:nvSpPr>
+          <p:cNvPr id="2" name="Title 1"/>
+          <p:cNvSpPr>
+            <a:spLocks noGrp="1"/>
+          </p:cNvSpPr>
+          <p:nvPr>
+            <p:ph type="title"/>
+          </p:nvPr>
+        </p:nvSpPr>
+        <p:spPr/>
+        <p:txBody>
+          <a:bodyPr/>
+          <a:lstStyle/>
+          <a:p>
+            <a:r>
+              <a:rPr lang="es-AR" dirty="0" smtClean="0"/>
+              <a:t>Primeros pasos los meta</a:t>
+            </a:r>
+            <a:endParaRPr lang="es-AR" dirty="0"/>
+          </a:p>
+        </p:txBody>
+      </p:sp>
+      <p:sp>
+        <p:nvSpPr>
+          <p:cNvPr id="3" name="Content Placeholder 2"/>
+          <p:cNvSpPr>
+            <a:spLocks noGrp="1"/>
+          </p:cNvSpPr>
+          <p:nvPr>
+            <p:ph idx="1"/>
+          </p:nvPr>
+        </p:nvSpPr>
+        <p:spPr/>
+        <p:txBody>
+          <a:bodyPr/>
+          <a:lstStyle/>
+          <a:p>
+            <a:pPr fontAlgn="base"/>
+            <a:r>
+              <a:rPr lang="es-AR" b="0" dirty="0"/>
+              <a:t>Los </a:t>
+            </a:r>
+            <a:r>
+              <a:rPr lang="es-AR" b="0" dirty="0" err="1"/>
+              <a:t>metatags</a:t>
+            </a:r>
+            <a:r>
+              <a:rPr lang="es-AR" b="0" dirty="0"/>
+              <a:t> son etiquetas </a:t>
+            </a:r>
+            <a:r>
+              <a:rPr lang="es-AR" b="0" dirty="0" err="1"/>
+              <a:t>html</a:t>
+            </a:r>
+            <a:r>
+              <a:rPr lang="es-AR" b="0" dirty="0"/>
+              <a:t> que se incorporan en el encabezado del código de una página web y que resultan invisibles para un visitante normal, pero de gran utilidad para navegadores  u otros programas que puedan valerse de esta información.</a:t>
+            </a:r>
+            <a:br>
+              <a:rPr lang="es-AR" b="0" dirty="0"/>
+            </a:br>
+            <a:r>
+              <a:rPr lang="es-AR" b="0" dirty="0"/>
+              <a:t>Es imprescindible que su sitio tenga unos Meta-</a:t>
+            </a:r>
+            <a:r>
+              <a:rPr lang="es-AR" b="0" dirty="0" err="1"/>
+              <a:t>Tags</a:t>
+            </a:r>
+            <a:r>
+              <a:rPr lang="es-AR" b="0" dirty="0"/>
+              <a:t> adecuados.  Los buscadores los precisan para procesar su alta y si no los encuentran su pagina quedara MAL POSICIONADA con lo que obtendrá menos visitas.</a:t>
+            </a:r>
+          </a:p>
+          <a:p>
+            <a:pPr fontAlgn="base"/>
+            <a:r>
+              <a:rPr lang="es-AR" b="0" dirty="0"/>
+              <a:t>Si su pagina no tiene Meta-</a:t>
+            </a:r>
+            <a:r>
+              <a:rPr lang="es-AR" b="0" dirty="0" err="1"/>
+              <a:t>Tags</a:t>
+            </a:r>
+            <a:r>
+              <a:rPr lang="es-AR" b="0" dirty="0"/>
+              <a:t>, de nada servirá su alta en buscadores, por esta razón, la inclusión de los meta-</a:t>
+            </a:r>
+            <a:r>
+              <a:rPr lang="es-AR" b="0" dirty="0" err="1"/>
+              <a:t>tags</a:t>
+            </a:r>
+            <a:r>
+              <a:rPr lang="es-AR" b="0" dirty="0"/>
+              <a:t> en cada página de su sitio es nuestro servicio de posicionamiento y está incluido en nuestros </a:t>
+            </a:r>
+            <a:r>
+              <a:rPr lang="es-AR" b="0" dirty="0">
+                <a:hlinkClick r:id="rId2"/>
+              </a:rPr>
+              <a:t>paquetes</a:t>
+            </a:r>
+            <a:r>
+              <a:rPr lang="es-AR" b="0" dirty="0"/>
+              <a:t>.</a:t>
+            </a:r>
+          </a:p>
+          <a:p>
+            <a:pPr fontAlgn="base"/>
+            <a:r>
+              <a:rPr lang="es-AR" b="0" dirty="0"/>
+              <a:t>Si quiere conocer más técnicas SEO, lea </a:t>
+            </a:r>
+            <a:r>
+              <a:rPr lang="es-AR" b="0" dirty="0">
+                <a:hlinkClick r:id="rId3"/>
+              </a:rPr>
+              <a:t>¿En qué consiste el posicionamiento natural y las técnicas SEO?</a:t>
+            </a:r>
+            <a:endParaRPr lang="es-AR" b="0" dirty="0"/>
+          </a:p>
+          <a:p>
+            <a:endParaRPr lang="es-AR" dirty="0"/>
+          </a:p>
+        </p:txBody>
+      </p:sp>
+    </p:spTree>
+    <p:extLst>
+      <p:ext uri="{BB962C8B-B14F-4D97-AF65-F5344CB8AC3E}">
+        <p14:creationId xmlns:p14="http://schemas.microsoft.com/office/powerpoint/2010/main" val="2957008770"/>
+      </p:ext>
+    </p:extLst>
+  </p:cSld>
+  <p:clrMapOvr>
+    <a:masterClrMapping/>
+  </p:clrMapOvr>
+</p:sld>
+</file>
+
+<file path=ppt/slides/slide12.xml><?xml version="1.0" encoding="utf-8"?>
+<p:sld xmlns:a="http://schemas.openxmlformats.org/drawingml/2006/main" xmlns:r="http://schemas.openxmlformats.org/officeDocument/2006/relationships" xmlns:p="http://schemas.openxmlformats.org/presentationml/2006/main">
+  <p:cSld>
+    <p:spTree>
+      <p:nvGrpSpPr>
+        <p:cNvPr id="1" name=""/>
+        <p:cNvGrpSpPr/>
+        <p:nvPr/>
+      </p:nvGrpSpPr>
+      <p:grpSpPr>
+        <a:xfrm>
+          <a:off x="0" y="0"/>
+          <a:ext cx="0" cy="0"/>
+          <a:chOff x="0" y="0"/>
+          <a:chExt cx="0" cy="0"/>
+        </a:xfrm>
+      </p:grpSpPr>
+      <p:sp>
+        <p:nvSpPr>
+          <p:cNvPr id="2" name="Title 1"/>
+          <p:cNvSpPr>
+            <a:spLocks noGrp="1"/>
+          </p:cNvSpPr>
+          <p:nvPr>
+            <p:ph type="title"/>
+          </p:nvPr>
+        </p:nvSpPr>
+        <p:spPr/>
+        <p:txBody>
+          <a:bodyPr/>
+          <a:lstStyle/>
+          <a:p>
+            <a:r>
+              <a:rPr lang="es-AR" dirty="0"/>
+              <a:t>Guía de optimización en buscadores (SEO) para principiantes</a:t>
+            </a:r>
+          </a:p>
+        </p:txBody>
+      </p:sp>
+      <p:sp>
+        <p:nvSpPr>
+          <p:cNvPr id="3" name="Content Placeholder 2"/>
+          <p:cNvSpPr>
+            <a:spLocks noGrp="1"/>
+          </p:cNvSpPr>
+          <p:nvPr>
+            <p:ph idx="1"/>
+          </p:nvPr>
+        </p:nvSpPr>
+        <p:spPr>
+          <a:xfrm>
+            <a:off x="822960" y="1100628"/>
+            <a:ext cx="3461008" cy="3579849"/>
+          </a:xfrm>
+        </p:spPr>
+        <p:txBody>
+          <a:bodyPr>
+            <a:normAutofit fontScale="77500" lnSpcReduction="20000"/>
+          </a:bodyPr>
+          <a:lstStyle/>
+          <a:p>
+            <a:r>
+              <a:rPr lang="es-AR" b="0" dirty="0"/>
+              <a:t>¿A quién va dirigida esta guía?</a:t>
+            </a:r>
+          </a:p>
+          <a:p>
+            <a:r>
+              <a:rPr lang="es-AR" b="0" dirty="0"/>
+              <a:t>Si tienes, gestionas, monetizas o promocionas contenido online a través de la Búsqueda de Google, esta guía es para ti. Tanto si eres el propietario de una próspera empresa en expansión, como el </a:t>
+            </a:r>
+            <a:r>
+              <a:rPr lang="es-AR" b="0" dirty="0" err="1"/>
+              <a:t>webmaster</a:t>
+            </a:r>
+            <a:r>
+              <a:rPr lang="es-AR" b="0" dirty="0"/>
+              <a:t> de una docena de sitios web, el especialista en SEO de una agencia web o un experto en SEO autodidacta al que le apasiona descubrir cómo funciona la Búsqueda, esta guía es para ti. Si quieres obtener una visión general de los conceptos básicos de SEO de acuerdo con nuestras prácticas recomendadas, estás sin duda en el lugar adecuado. En esta guía no encontrarás ningún secreto para posicionar automáticamente tu sitio web en el primer lugar de los resultados de la Búsqueda de Google, pero si sigues las prácticas recomendadas que exponemos más adelante, los motores de búsqueda podrán rastrear, indexar y entender mejor tu contenido.</a:t>
+            </a:r>
+          </a:p>
+          <a:p>
+            <a:endParaRPr lang="es-AR" dirty="0"/>
+          </a:p>
+        </p:txBody>
+      </p:sp>
+      <p:pic>
+        <p:nvPicPr>
+          <p:cNvPr id="7170" name="Picture 2" descr="Image result for google seo"/>
+          <p:cNvPicPr>
+            <a:picLocks noChangeAspect="1" noChangeArrowheads="1"/>
+          </p:cNvPicPr>
+          <p:nvPr/>
+        </p:nvPicPr>
+        <p:blipFill>
+          <a:blip r:embed="rId2">
+            <a:extLst>
+              <a:ext uri="{28A0092B-C50C-407E-A947-70E740481C1C}">
+                <a14:useLocalDpi xmlns:a14="http://schemas.microsoft.com/office/drawing/2010/main" val="0"/>
+              </a:ext>
+            </a:extLst>
+          </a:blip>
+          <a:srcRect/>
+          <a:stretch>
+            <a:fillRect/>
+          </a:stretch>
+        </p:blipFill>
+        <p:spPr bwMode="auto">
+          <a:xfrm>
+            <a:off x="4572000" y="1268760"/>
+            <a:ext cx="4378086" cy="2304256"/>
+          </a:xfrm>
+          <a:prstGeom prst="rect">
+            <a:avLst/>
+          </a:prstGeom>
+          <a:noFill/>
+          <a:extLst>
+            <a:ext uri="{909E8E84-426E-40DD-AFC4-6F175D3DCCD1}">
+              <a14:hiddenFill xmlns:a14="http://schemas.microsoft.com/office/drawing/2010/main">
+                <a:solidFill>
+                  <a:srgbClr val="FFFFFF"/>
+                </a:solidFill>
+              </a14:hiddenFill>
+            </a:ext>
+          </a:extLst>
+        </p:spPr>
+      </p:pic>
+      <p:sp>
+        <p:nvSpPr>
+          <p:cNvPr id="4" name="TextBox 3"/>
+          <p:cNvSpPr txBox="1"/>
+          <p:nvPr/>
+        </p:nvSpPr>
+        <p:spPr>
+          <a:xfrm>
+            <a:off x="4572000" y="3573016"/>
+            <a:ext cx="4176464" cy="1477328"/>
+          </a:xfrm>
+          <a:prstGeom prst="rect">
+            <a:avLst/>
+          </a:prstGeom>
+          <a:noFill/>
+        </p:spPr>
+        <p:txBody>
+          <a:bodyPr wrap="square" rtlCol="0">
+            <a:spAutoFit/>
+          </a:bodyPr>
+          <a:lstStyle/>
+          <a:p>
+            <a:r>
+              <a:rPr lang="es-AR" dirty="0">
+                <a:hlinkClick r:id="rId3"/>
+              </a:rPr>
+              <a:t>https://</a:t>
+            </a:r>
+            <a:r>
+              <a:rPr lang="es-AR" dirty="0" smtClean="0">
+                <a:hlinkClick r:id="rId3"/>
+              </a:rPr>
+              <a:t>support.google.com/webmasters/answer/7451184?hl=es</a:t>
+            </a:r>
+            <a:r>
+              <a:rPr lang="es-AR" dirty="0"/>
+              <a:t/>
+            </a:r>
+            <a:br>
+              <a:rPr lang="es-AR" dirty="0"/>
+            </a:br>
+            <a:r>
+              <a:rPr lang="es-AR" dirty="0"/>
+              <a:t/>
+            </a:r>
+            <a:br>
+              <a:rPr lang="es-AR" dirty="0"/>
+            </a:br>
+            <a:r>
+              <a:rPr lang="es-AR" dirty="0"/>
+              <a:t>https://trends.google.com/trends/?geo=US</a:t>
+            </a:r>
+          </a:p>
+        </p:txBody>
+      </p:sp>
+    </p:spTree>
+    <p:extLst>
+      <p:ext uri="{BB962C8B-B14F-4D97-AF65-F5344CB8AC3E}">
+        <p14:creationId xmlns:p14="http://schemas.microsoft.com/office/powerpoint/2010/main" val="2941764396"/>
+      </p:ext>
+    </p:extLst>
+  </p:cSld>
+  <p:clrMapOvr>
+    <a:masterClrMapping/>
+  </p:clrMapOvr>
+</p:sld>
+</file>
+
 <file path=ppt/slides/slide13.xml><?xml version="1.0" encoding="utf-8"?>
 <p:sld xmlns:a="http://schemas.openxmlformats.org/drawingml/2006/main" xmlns:r="http://schemas.openxmlformats.org/officeDocument/2006/relationships" xmlns:p="http://schemas.openxmlformats.org/presentationml/2006/main">
   <p:cSld>
@@ -5531,6 +5492,398 @@
           <a:lstStyle/>
           <a:p>
             <a:r>
+              <a:rPr lang="es-AR" dirty="0" err="1" smtClean="0"/>
+              <a:t>Introduccion</a:t>
+            </a:r>
+            <a:r>
+              <a:rPr lang="es-AR" dirty="0" smtClean="0"/>
+              <a:t> a la </a:t>
+            </a:r>
+            <a:r>
+              <a:rPr lang="es-AR" dirty="0" err="1" smtClean="0"/>
+              <a:t>programacion</a:t>
+            </a:r>
+            <a:endParaRPr lang="es-AR" dirty="0"/>
+          </a:p>
+        </p:txBody>
+      </p:sp>
+      <p:sp>
+        <p:nvSpPr>
+          <p:cNvPr id="3" name="Content Placeholder 2"/>
+          <p:cNvSpPr>
+            <a:spLocks noGrp="1"/>
+          </p:cNvSpPr>
+          <p:nvPr>
+            <p:ph idx="1"/>
+          </p:nvPr>
+        </p:nvSpPr>
+        <p:spPr/>
+        <p:txBody>
+          <a:bodyPr>
+            <a:normAutofit fontScale="77500" lnSpcReduction="20000"/>
+          </a:bodyPr>
+          <a:lstStyle/>
+          <a:p>
+            <a:r>
+              <a:rPr lang="es-AR" b="0" dirty="0"/>
+              <a:t>Las siglas POO se corresponden con Programación Orientada a Objetos, aunque muchas veces las podemos encontrar escritas en inglés OOP (</a:t>
+            </a:r>
+            <a:r>
+              <a:rPr lang="es-AR" b="0" dirty="0" err="1"/>
+              <a:t>Object</a:t>
+            </a:r>
+            <a:r>
+              <a:rPr lang="es-AR" b="0" dirty="0"/>
+              <a:t> </a:t>
+            </a:r>
+            <a:r>
+              <a:rPr lang="es-AR" b="0" dirty="0" err="1"/>
+              <a:t>Oriented</a:t>
+            </a:r>
+            <a:r>
+              <a:rPr lang="es-AR" b="0" dirty="0"/>
+              <a:t> </a:t>
+            </a:r>
+            <a:r>
+              <a:rPr lang="es-AR" b="0" dirty="0" err="1"/>
+              <a:t>Programming</a:t>
+            </a:r>
+            <a:r>
+              <a:rPr lang="es-AR" b="0" dirty="0"/>
+              <a:t>). En este primer capítulo de este curso vamos a tratar de explicar de forma sencilla los principales conceptos y términos que se utilizan dentro de este tipo de programación, es decir, dentro de la Programación Orientada a Objetos. No vamos a entrar en sesudas divagaciones filosóficas respecto a la POO, sino que vamos a definir lo más claramente posible cada uno de los elementos clave que aparecen en la POO para después poder utilizarlos desde el lenguaje Java.</a:t>
+            </a:r>
+          </a:p>
+          <a:p>
+            <a:r>
+              <a:rPr lang="es-AR" b="0" dirty="0"/>
+              <a:t>Este capítulo es muy necesario debido a que el lenguaje Java, como veremos en el siguiente capítulo, es un lenguaje que se basa en la Programación Orientada a Objetos, por lo tanto para conocer el lenguaje Java, es necesario conocer la Programación Orientada a Objetos.</a:t>
+            </a:r>
+          </a:p>
+          <a:p>
+            <a:r>
+              <a:rPr lang="es-AR" b="0" dirty="0"/>
+              <a:t>La Programación Orientada a Objetos trata de utilizar una visión real del mundo dentro de nuestros programas. La visión que se tiene del mundo dentro de la POO es que se encuentra formado por objetos. Para comprender bien la POO debemos olvidar un poco la Programación Estructurada, que si nos fijamos bien es algo artificial, la POO es una forma de abordar los problemas más natural. Aquí natural significa más en contacto con el mundo real que nos rodea, de esta forma si queremos resolver un problema determinado, debemos identificar cada una de las partes del problema con objetos presentes en el mundo real.</a:t>
+            </a:r>
+          </a:p>
+          <a:p>
+            <a:r>
+              <a:rPr lang="es-AR" b="0" dirty="0"/>
+              <a:t>En esta definición de POO ya estamos haciendo referencia al elemento clave de la misma: el objeto. El objeto va a ser la modelización de los objetos que nos encontramos en el mundo real, estos objetos los vamos a utilizar en nuestros programas para dar la solución al problema que nos ocupe en cada caso.</a:t>
+            </a:r>
+          </a:p>
+          <a:p>
+            <a:endParaRPr lang="es-AR" dirty="0"/>
+          </a:p>
+        </p:txBody>
+      </p:sp>
+    </p:spTree>
+    <p:extLst>
+      <p:ext uri="{BB962C8B-B14F-4D97-AF65-F5344CB8AC3E}">
+        <p14:creationId xmlns:p14="http://schemas.microsoft.com/office/powerpoint/2010/main" val="4251083885"/>
+      </p:ext>
+    </p:extLst>
+  </p:cSld>
+  <p:clrMapOvr>
+    <a:masterClrMapping/>
+  </p:clrMapOvr>
+</p:sld>
+</file>
+
+<file path=ppt/slides/slide14.xml><?xml version="1.0" encoding="utf-8"?>
+<p:sld xmlns:a="http://schemas.openxmlformats.org/drawingml/2006/main" xmlns:r="http://schemas.openxmlformats.org/officeDocument/2006/relationships" xmlns:p="http://schemas.openxmlformats.org/presentationml/2006/main">
+  <p:cSld>
+    <p:spTree>
+      <p:nvGrpSpPr>
+        <p:cNvPr id="1" name=""/>
+        <p:cNvGrpSpPr/>
+        <p:nvPr/>
+      </p:nvGrpSpPr>
+      <p:grpSpPr>
+        <a:xfrm>
+          <a:off x="0" y="0"/>
+          <a:ext cx="0" cy="0"/>
+          <a:chOff x="0" y="0"/>
+          <a:chExt cx="0" cy="0"/>
+        </a:xfrm>
+      </p:grpSpPr>
+      <p:sp>
+        <p:nvSpPr>
+          <p:cNvPr id="2" name="Title 1"/>
+          <p:cNvSpPr>
+            <a:spLocks noGrp="1"/>
+          </p:cNvSpPr>
+          <p:nvPr>
+            <p:ph type="title"/>
+          </p:nvPr>
+        </p:nvSpPr>
+        <p:spPr/>
+        <p:txBody>
+          <a:bodyPr/>
+          <a:lstStyle/>
+          <a:p>
+            <a:r>
+              <a:rPr lang="es-AR" dirty="0" smtClean="0"/>
+              <a:t>Desarrollo web</a:t>
+            </a:r>
+            <a:endParaRPr lang="es-AR" dirty="0"/>
+          </a:p>
+        </p:txBody>
+      </p:sp>
+      <p:sp>
+        <p:nvSpPr>
+          <p:cNvPr id="3" name="Content Placeholder 2"/>
+          <p:cNvSpPr>
+            <a:spLocks noGrp="1"/>
+          </p:cNvSpPr>
+          <p:nvPr>
+            <p:ph idx="1"/>
+          </p:nvPr>
+        </p:nvSpPr>
+        <p:spPr/>
+        <p:txBody>
+          <a:bodyPr>
+            <a:normAutofit lnSpcReduction="10000"/>
+          </a:bodyPr>
+          <a:lstStyle/>
+          <a:p>
+            <a:r>
+              <a:rPr lang="es-AR" dirty="0"/>
+              <a:t>Desarrollo web</a:t>
+            </a:r>
+            <a:r>
+              <a:rPr lang="es-AR" b="0" dirty="0"/>
+              <a:t> es un término que define la creación de </a:t>
+            </a:r>
+            <a:r>
+              <a:rPr lang="es-AR" b="0" dirty="0">
+                <a:hlinkClick r:id="rId2" tooltip="Sitio web"/>
+              </a:rPr>
+              <a:t>sitios web</a:t>
+            </a:r>
+            <a:r>
+              <a:rPr lang="es-AR" b="0" dirty="0"/>
+              <a:t> para </a:t>
+            </a:r>
+            <a:r>
+              <a:rPr lang="es-AR" b="0" dirty="0">
+                <a:hlinkClick r:id="rId3" tooltip="Internet"/>
+              </a:rPr>
+              <a:t>Internet</a:t>
+            </a:r>
+            <a:r>
+              <a:rPr lang="es-AR" b="0" dirty="0"/>
+              <a:t> o una </a:t>
+            </a:r>
+            <a:r>
+              <a:rPr lang="es-AR" b="0" dirty="0">
+                <a:hlinkClick r:id="rId4" tooltip="Intranet"/>
+              </a:rPr>
+              <a:t>intranet</a:t>
+            </a:r>
+            <a:r>
+              <a:rPr lang="es-AR" b="0" dirty="0"/>
+              <a:t>. Para conseguirlo se hace uso de tecnologías de </a:t>
+            </a:r>
+            <a:r>
+              <a:rPr lang="es-AR" b="0" dirty="0">
+                <a:hlinkClick r:id="rId5" tooltip="Software"/>
+              </a:rPr>
+              <a:t>software</a:t>
+            </a:r>
+            <a:r>
+              <a:rPr lang="es-AR" b="0" dirty="0"/>
+              <a:t> del lado del servidor y del cliente que involucran una combinación de procesos de </a:t>
+            </a:r>
+            <a:r>
+              <a:rPr lang="es-AR" b="0" dirty="0">
+                <a:hlinkClick r:id="rId6" tooltip="Base de datos"/>
+              </a:rPr>
+              <a:t>base de </a:t>
+            </a:r>
+            <a:r>
+              <a:rPr lang="es-AR" b="0" dirty="0" err="1">
+                <a:hlinkClick r:id="rId6" tooltip="Base de datos"/>
+              </a:rPr>
+              <a:t>datos</a:t>
+            </a:r>
+            <a:r>
+              <a:rPr lang="es-AR" b="0" dirty="0" err="1"/>
+              <a:t>con</a:t>
+            </a:r>
+            <a:r>
+              <a:rPr lang="es-AR" b="0" dirty="0"/>
+              <a:t> el uso de un </a:t>
+            </a:r>
+            <a:r>
+              <a:rPr lang="es-AR" b="0" dirty="0">
+                <a:hlinkClick r:id="rId7" tooltip="Navegador web"/>
+              </a:rPr>
+              <a:t>navegador web</a:t>
+            </a:r>
+            <a:r>
+              <a:rPr lang="es-AR" b="0" dirty="0"/>
+              <a:t> a fin de realizar determinadas tareas o mostrar información.</a:t>
+            </a:r>
+          </a:p>
+          <a:p>
+            <a:r>
+              <a:rPr lang="es-AR" b="0" dirty="0"/>
+              <a:t>Tradicionalmente un software departamental o incluso un ambicioso proyecto corporativo de gran envergadura es desarrollado en forma </a:t>
+            </a:r>
+            <a:r>
+              <a:rPr lang="es-AR" b="0" dirty="0">
+                <a:hlinkClick r:id="rId8" tooltip="Stand alone (aún no redactado)"/>
+              </a:rPr>
+              <a:t>stand </a:t>
+            </a:r>
+            <a:r>
+              <a:rPr lang="es-AR" b="0" dirty="0" err="1">
+                <a:hlinkClick r:id="rId8" tooltip="Stand alone (aún no redactado)"/>
+              </a:rPr>
+              <a:t>alone</a:t>
+            </a:r>
+            <a:r>
+              <a:rPr lang="es-AR" b="0" dirty="0"/>
+              <a:t>, es decir, usando lenguajes ya sea compilados(</a:t>
+            </a:r>
+            <a:r>
+              <a:rPr lang="es-AR" b="0" dirty="0">
+                <a:hlinkClick r:id="rId9" tooltip="C"/>
+              </a:rPr>
+              <a:t>C</a:t>
+            </a:r>
+            <a:r>
+              <a:rPr lang="es-AR" b="0" dirty="0"/>
+              <a:t>, </a:t>
+            </a:r>
+            <a:r>
+              <a:rPr lang="es-AR" b="0" dirty="0">
+                <a:hlinkClick r:id="rId10" tooltip="C++"/>
+              </a:rPr>
+              <a:t>C++</a:t>
+            </a:r>
+            <a:r>
+              <a:rPr lang="es-AR" b="0" dirty="0"/>
+              <a:t>, </a:t>
+            </a:r>
+            <a:r>
+              <a:rPr lang="es-AR" b="0" dirty="0">
+                <a:hlinkClick r:id="rId11" tooltip="Delphi"/>
+              </a:rPr>
+              <a:t>Delphi</a:t>
+            </a:r>
+            <a:r>
+              <a:rPr lang="es-AR" b="0" dirty="0"/>
+              <a:t>), </a:t>
+            </a:r>
+            <a:r>
+              <a:rPr lang="es-AR" b="0" dirty="0" err="1"/>
+              <a:t>semicompilados</a:t>
+            </a:r>
+            <a:r>
+              <a:rPr lang="es-AR" b="0" dirty="0"/>
+              <a:t>(</a:t>
+            </a:r>
+            <a:r>
+              <a:rPr lang="es-AR" b="0" dirty="0">
+                <a:hlinkClick r:id="rId12" tooltip=".NET"/>
+              </a:rPr>
+              <a:t>.NET</a:t>
+            </a:r>
+            <a:r>
+              <a:rPr lang="es-AR" b="0" dirty="0"/>
+              <a:t>, </a:t>
+            </a:r>
+            <a:r>
+              <a:rPr lang="es-AR" b="0" dirty="0">
+                <a:hlinkClick r:id="rId13" tooltip="Proyecto Mono"/>
+              </a:rPr>
+              <a:t>Mono</a:t>
+            </a:r>
+            <a:r>
+              <a:rPr lang="es-AR" b="0" dirty="0"/>
+              <a:t>, </a:t>
+            </a:r>
+            <a:r>
+              <a:rPr lang="es-AR" b="0" dirty="0">
+                <a:hlinkClick r:id="rId14" tooltip="Plataforma Java"/>
+              </a:rPr>
+              <a:t>Java</a:t>
+            </a:r>
+            <a:r>
+              <a:rPr lang="es-AR" b="0" dirty="0"/>
+              <a:t>), o interpretados (</a:t>
+            </a:r>
+            <a:r>
+              <a:rPr lang="es-AR" b="0" dirty="0" err="1"/>
+              <a:t>Python</a:t>
+            </a:r>
+            <a:r>
+              <a:rPr lang="es-AR" b="0" dirty="0"/>
+              <a:t>, </a:t>
+            </a:r>
+            <a:r>
+              <a:rPr lang="es-AR" b="0" dirty="0">
+                <a:hlinkClick r:id="rId15" tooltip="PHP"/>
+              </a:rPr>
+              <a:t>PHP</a:t>
+            </a:r>
+            <a:r>
+              <a:rPr lang="es-AR" b="0" dirty="0"/>
+              <a:t>) para crear tanto la funcionalidad como toda la interfaz de los usuarios, pero cabe perfectamente un desarrollo orientado a web para dichos propósitos, siendo más homogéneo y multiplataforma, y dependiendo de las tecnologías utilizadas, más rápido y robusto tanto para diseñar, implementar y probar, como para su uso una vez terminado.</a:t>
+            </a:r>
+          </a:p>
+          <a:p>
+            <a:endParaRPr lang="es-AR" dirty="0"/>
+          </a:p>
+        </p:txBody>
+      </p:sp>
+    </p:spTree>
+    <p:extLst>
+      <p:ext uri="{BB962C8B-B14F-4D97-AF65-F5344CB8AC3E}">
+        <p14:creationId xmlns:p14="http://schemas.microsoft.com/office/powerpoint/2010/main" val="573126967"/>
+      </p:ext>
+    </p:extLst>
+  </p:cSld>
+  <p:clrMapOvr>
+    <a:masterClrMapping/>
+  </p:clrMapOvr>
+</p:sld>
+</file>
+
+<file path=ppt/slides/slide15.xml><?xml version="1.0" encoding="utf-8"?>
+<p:sld xmlns:a="http://schemas.openxmlformats.org/drawingml/2006/main" xmlns:r="http://schemas.openxmlformats.org/officeDocument/2006/relationships" xmlns:p="http://schemas.openxmlformats.org/presentationml/2006/main">
+  <p:cSld>
+    <p:spTree>
+      <p:nvGrpSpPr>
+        <p:cNvPr id="1" name=""/>
+        <p:cNvGrpSpPr/>
+        <p:nvPr/>
+      </p:nvGrpSpPr>
+      <p:grpSpPr>
+        <a:xfrm>
+          <a:off x="0" y="0"/>
+          <a:ext cx="0" cy="0"/>
+          <a:chOff x="0" y="0"/>
+          <a:chExt cx="0" cy="0"/>
+        </a:xfrm>
+      </p:grpSpPr>
+      <p:sp>
+        <p:nvSpPr>
+          <p:cNvPr id="2" name="Title 1"/>
+          <p:cNvSpPr>
+            <a:spLocks noGrp="1"/>
+          </p:cNvSpPr>
+          <p:nvPr>
+            <p:ph type="title"/>
+          </p:nvPr>
+        </p:nvSpPr>
+        <p:spPr/>
+        <p:txBody>
+          <a:bodyPr/>
+          <a:lstStyle/>
+          <a:p>
+            <a:r>
               <a:rPr lang="es-AR" dirty="0" smtClean="0"/>
               <a:t>Instalando entornos</a:t>
             </a:r>
@@ -5709,7 +6062,7 @@
 </p:sld>
 </file>
 
-<file path=ppt/slides/slide14.xml><?xml version="1.0" encoding="utf-8"?>
+<file path=ppt/slides/slide16.xml><?xml version="1.0" encoding="utf-8"?>
 <p:sld xmlns:a="http://schemas.openxmlformats.org/drawingml/2006/main" xmlns:r="http://schemas.openxmlformats.org/officeDocument/2006/relationships" xmlns:p="http://schemas.openxmlformats.org/presentationml/2006/main">
   <p:cSld>
     <p:spTree>
@@ -5891,7 +6244,7 @@
 </p:sld>
 </file>
 
-<file path=ppt/slides/slide15.xml><?xml version="1.0" encoding="utf-8"?>
+<file path=ppt/slides/slide17.xml><?xml version="1.0" encoding="utf-8"?>
 <p:sld xmlns:a="http://schemas.openxmlformats.org/drawingml/2006/main" xmlns:r="http://schemas.openxmlformats.org/officeDocument/2006/relationships" xmlns:p="http://schemas.openxmlformats.org/presentationml/2006/main">
   <p:cSld>
     <p:spTree>
@@ -6010,7 +6363,7 @@
 </p:sld>
 </file>
 
-<file path=ppt/slides/slide16.xml><?xml version="1.0" encoding="utf-8"?>
+<file path=ppt/slides/slide18.xml><?xml version="1.0" encoding="utf-8"?>
 <p:sld xmlns:a="http://schemas.openxmlformats.org/drawingml/2006/main" xmlns:r="http://schemas.openxmlformats.org/officeDocument/2006/relationships" xmlns:p="http://schemas.openxmlformats.org/presentationml/2006/main">
   <p:cSld>
     <p:spTree>
@@ -6150,7 +6503,7 @@
 </p:sld>
 </file>
 
-<file path=ppt/slides/slide17.xml><?xml version="1.0" encoding="utf-8"?>
+<file path=ppt/slides/slide19.xml><?xml version="1.0" encoding="utf-8"?>
 <p:sld xmlns:a="http://schemas.openxmlformats.org/drawingml/2006/main" xmlns:r="http://schemas.openxmlformats.org/officeDocument/2006/relationships" xmlns:p="http://schemas.openxmlformats.org/presentationml/2006/main">
   <p:cSld>
     <p:spTree>
@@ -6334,7 +6687,327 @@
 </p:sld>
 </file>
 
-<file path=ppt/slides/slide18.xml><?xml version="1.0" encoding="utf-8"?>
+<file path=ppt/slides/slide2.xml><?xml version="1.0" encoding="utf-8"?>
+<p:sld xmlns:a="http://schemas.openxmlformats.org/drawingml/2006/main" xmlns:r="http://schemas.openxmlformats.org/officeDocument/2006/relationships" xmlns:p="http://schemas.openxmlformats.org/presentationml/2006/main">
+  <p:cSld>
+    <p:spTree>
+      <p:nvGrpSpPr>
+        <p:cNvPr id="1" name=""/>
+        <p:cNvGrpSpPr/>
+        <p:nvPr/>
+      </p:nvGrpSpPr>
+      <p:grpSpPr>
+        <a:xfrm>
+          <a:off x="0" y="0"/>
+          <a:ext cx="0" cy="0"/>
+          <a:chOff x="0" y="0"/>
+          <a:chExt cx="0" cy="0"/>
+        </a:xfrm>
+      </p:grpSpPr>
+      <p:sp>
+        <p:nvSpPr>
+          <p:cNvPr id="2" name="Title 1"/>
+          <p:cNvSpPr>
+            <a:spLocks noGrp="1"/>
+          </p:cNvSpPr>
+          <p:nvPr>
+            <p:ph type="title"/>
+          </p:nvPr>
+        </p:nvSpPr>
+        <p:spPr/>
+        <p:txBody>
+          <a:bodyPr/>
+          <a:lstStyle/>
+          <a:p>
+            <a:r>
+              <a:rPr lang="es-AR" dirty="0" smtClean="0"/>
+              <a:t>Agenda</a:t>
+            </a:r>
+            <a:endParaRPr lang="es-AR" dirty="0"/>
+          </a:p>
+        </p:txBody>
+      </p:sp>
+      <p:sp>
+        <p:nvSpPr>
+          <p:cNvPr id="3" name="Content Placeholder 2"/>
+          <p:cNvSpPr>
+            <a:spLocks noGrp="1"/>
+          </p:cNvSpPr>
+          <p:nvPr>
+            <p:ph idx="1"/>
+          </p:nvPr>
+        </p:nvSpPr>
+        <p:spPr/>
+        <p:txBody>
+          <a:bodyPr/>
+          <a:lstStyle/>
+          <a:p>
+            <a:pPr>
+              <a:buFont typeface="Wingdings" pitchFamily="2" charset="2"/>
+              <a:buChar char="Ø"/>
+            </a:pPr>
+            <a:r>
+              <a:rPr lang="es-AR" dirty="0" smtClean="0"/>
+              <a:t>De 10 a 12.30 </a:t>
+            </a:r>
+            <a:r>
+              <a:rPr lang="es-AR" dirty="0" err="1" smtClean="0"/>
+              <a:t>hs</a:t>
+            </a:r>
+            <a:endParaRPr lang="es-AR" dirty="0" smtClean="0"/>
+          </a:p>
+          <a:p>
+            <a:pPr lvl="2">
+              <a:buFont typeface="Wingdings" pitchFamily="2" charset="2"/>
+              <a:buChar char="Ø"/>
+            </a:pPr>
+            <a:r>
+              <a:rPr lang="es-AR" dirty="0" smtClean="0"/>
+              <a:t>Porque venimos</a:t>
+            </a:r>
+          </a:p>
+          <a:p>
+            <a:pPr lvl="2">
+              <a:buFont typeface="Wingdings" pitchFamily="2" charset="2"/>
+              <a:buChar char="Ø"/>
+            </a:pPr>
+            <a:r>
+              <a:rPr lang="es-AR" dirty="0" err="1" smtClean="0"/>
+              <a:t>Introduccion</a:t>
+            </a:r>
+            <a:r>
+              <a:rPr lang="es-AR" dirty="0" smtClean="0"/>
+              <a:t> a la </a:t>
+            </a:r>
+            <a:r>
+              <a:rPr lang="es-AR" dirty="0" err="1" smtClean="0"/>
+              <a:t>programacion</a:t>
+            </a:r>
+            <a:endParaRPr lang="es-AR" dirty="0" smtClean="0"/>
+          </a:p>
+          <a:p>
+            <a:pPr lvl="2">
+              <a:buFont typeface="Wingdings" pitchFamily="2" charset="2"/>
+              <a:buChar char="Ø"/>
+            </a:pPr>
+            <a:r>
+              <a:rPr lang="es-AR" dirty="0" err="1" smtClean="0"/>
+              <a:t>Introduccion</a:t>
+            </a:r>
+            <a:r>
+              <a:rPr lang="es-AR" dirty="0" smtClean="0"/>
+              <a:t> a la </a:t>
+            </a:r>
+            <a:r>
+              <a:rPr lang="es-AR" dirty="0" err="1" smtClean="0"/>
+              <a:t>programacion</a:t>
+            </a:r>
+            <a:r>
+              <a:rPr lang="es-AR" dirty="0" smtClean="0"/>
+              <a:t> web</a:t>
+            </a:r>
+          </a:p>
+          <a:p>
+            <a:pPr lvl="2">
+              <a:buFont typeface="Wingdings" pitchFamily="2" charset="2"/>
+              <a:buChar char="Ø"/>
+            </a:pPr>
+            <a:r>
+              <a:rPr lang="es-AR" dirty="0" smtClean="0"/>
+              <a:t>Paradigmas, conceptos, </a:t>
+            </a:r>
+            <a:r>
+              <a:rPr lang="es-AR" dirty="0" err="1" smtClean="0"/>
+              <a:t>vision</a:t>
+            </a:r>
+            <a:r>
+              <a:rPr lang="es-AR" dirty="0" smtClean="0"/>
+              <a:t> y diseño web</a:t>
+            </a:r>
+          </a:p>
+          <a:p>
+            <a:pPr lvl="2">
+              <a:buFont typeface="Wingdings" pitchFamily="2" charset="2"/>
+              <a:buChar char="Ø"/>
+            </a:pPr>
+            <a:r>
+              <a:rPr lang="es-AR" dirty="0" smtClean="0"/>
+              <a:t>Web </a:t>
+            </a:r>
+            <a:r>
+              <a:rPr lang="es-AR" dirty="0" err="1" smtClean="0"/>
+              <a:t>Responsive</a:t>
+            </a:r>
+            <a:endParaRPr lang="es-AR" dirty="0" smtClean="0"/>
+          </a:p>
+          <a:p>
+            <a:pPr lvl="2">
+              <a:buFont typeface="Wingdings" pitchFamily="2" charset="2"/>
+              <a:buChar char="Ø"/>
+            </a:pPr>
+            <a:r>
+              <a:rPr lang="es-AR" dirty="0" smtClean="0"/>
+              <a:t>Instalando los entornos</a:t>
+            </a:r>
+          </a:p>
+          <a:p>
+            <a:pPr>
+              <a:buFont typeface="Wingdings" pitchFamily="2" charset="2"/>
+              <a:buChar char="Ø"/>
+            </a:pPr>
+            <a:r>
+              <a:rPr lang="es-AR" dirty="0" smtClean="0"/>
+              <a:t>De 12.30 a 13.30 Almuerzo</a:t>
+            </a:r>
+          </a:p>
+          <a:p>
+            <a:pPr>
+              <a:buFont typeface="Wingdings" pitchFamily="2" charset="2"/>
+              <a:buChar char="Ø"/>
+            </a:pPr>
+            <a:r>
+              <a:rPr lang="es-AR" dirty="0" smtClean="0"/>
+              <a:t>De 13.30 a 16 </a:t>
+            </a:r>
+            <a:r>
+              <a:rPr lang="es-AR" dirty="0" err="1" smtClean="0"/>
+              <a:t>hs</a:t>
+            </a:r>
+            <a:endParaRPr lang="es-AR" dirty="0" smtClean="0"/>
+          </a:p>
+          <a:p>
+            <a:pPr lvl="2">
+              <a:buFont typeface="Wingdings" pitchFamily="2" charset="2"/>
+              <a:buChar char="Ø"/>
+            </a:pPr>
+            <a:r>
+              <a:rPr lang="es-AR" dirty="0" err="1" smtClean="0"/>
+              <a:t>Introduccion</a:t>
+            </a:r>
+            <a:r>
+              <a:rPr lang="es-AR" dirty="0" smtClean="0"/>
+              <a:t> a la </a:t>
+            </a:r>
+            <a:r>
+              <a:rPr lang="es-AR" dirty="0" err="1" smtClean="0"/>
+              <a:t>programacion</a:t>
+            </a:r>
+            <a:r>
+              <a:rPr lang="es-AR" dirty="0" smtClean="0"/>
+              <a:t> con </a:t>
+            </a:r>
+            <a:r>
+              <a:rPr lang="es-AR" dirty="0" err="1" smtClean="0"/>
+              <a:t>node</a:t>
+            </a:r>
+            <a:r>
+              <a:rPr lang="es-AR" dirty="0" smtClean="0"/>
+              <a:t> </a:t>
+            </a:r>
+            <a:r>
+              <a:rPr lang="es-AR" dirty="0" err="1" smtClean="0"/>
+              <a:t>Js</a:t>
+            </a:r>
+            <a:r>
+              <a:rPr lang="es-AR" dirty="0" smtClean="0"/>
+              <a:t> Express</a:t>
+            </a:r>
+          </a:p>
+          <a:p>
+            <a:pPr lvl="2">
+              <a:buFont typeface="Wingdings" pitchFamily="2" charset="2"/>
+              <a:buChar char="Ø"/>
+            </a:pPr>
+            <a:r>
+              <a:rPr lang="es-AR" dirty="0" err="1" smtClean="0"/>
+              <a:t>Introduccion</a:t>
+            </a:r>
+            <a:r>
+              <a:rPr lang="es-AR" dirty="0" smtClean="0"/>
+              <a:t> a la </a:t>
+            </a:r>
+            <a:r>
+              <a:rPr lang="es-AR" dirty="0" err="1" smtClean="0"/>
+              <a:t>programacion</a:t>
+            </a:r>
+            <a:r>
+              <a:rPr lang="es-AR" dirty="0" smtClean="0"/>
+              <a:t> con angular 6 + </a:t>
+            </a:r>
+            <a:r>
+              <a:rPr lang="es-AR" dirty="0" err="1" smtClean="0"/>
+              <a:t>typescript</a:t>
+            </a:r>
+            <a:r>
+              <a:rPr lang="es-AR" dirty="0" smtClean="0"/>
+              <a:t> + test</a:t>
+            </a:r>
+          </a:p>
+          <a:p>
+            <a:pPr lvl="2">
+              <a:buFont typeface="Wingdings" pitchFamily="2" charset="2"/>
+              <a:buChar char="Ø"/>
+            </a:pPr>
+            <a:r>
+              <a:rPr lang="es-AR" dirty="0" err="1" smtClean="0"/>
+              <a:t>Introduccion</a:t>
+            </a:r>
+            <a:r>
+              <a:rPr lang="es-AR" dirty="0" smtClean="0"/>
+              <a:t> a la </a:t>
+            </a:r>
+            <a:r>
+              <a:rPr lang="es-AR" dirty="0" err="1" smtClean="0"/>
+              <a:t>programacion</a:t>
+            </a:r>
+            <a:r>
+              <a:rPr lang="es-AR" dirty="0" smtClean="0"/>
+              <a:t> con java </a:t>
+            </a:r>
+            <a:r>
+              <a:rPr lang="es-AR" dirty="0" err="1" smtClean="0"/>
+              <a:t>service</a:t>
+            </a:r>
+            <a:r>
+              <a:rPr lang="es-AR" dirty="0" smtClean="0"/>
+              <a:t> </a:t>
+            </a:r>
+            <a:r>
+              <a:rPr lang="es-AR" dirty="0" err="1" smtClean="0"/>
+              <a:t>backend</a:t>
+            </a:r>
+            <a:endParaRPr lang="es-AR" dirty="0" smtClean="0"/>
+          </a:p>
+          <a:p>
+            <a:pPr>
+              <a:buFont typeface="Wingdings" pitchFamily="2" charset="2"/>
+              <a:buChar char="Ø"/>
+            </a:pPr>
+            <a:endParaRPr lang="es-AR" dirty="0" smtClean="0"/>
+          </a:p>
+          <a:p>
+            <a:pPr>
+              <a:buFont typeface="Wingdings" pitchFamily="2" charset="2"/>
+              <a:buChar char="Ø"/>
+            </a:pPr>
+            <a:endParaRPr lang="es-AR" dirty="0"/>
+          </a:p>
+        </p:txBody>
+      </p:sp>
+    </p:spTree>
+    <p:extLst>
+      <p:ext uri="{BB962C8B-B14F-4D97-AF65-F5344CB8AC3E}">
+        <p14:creationId xmlns:p14="http://schemas.microsoft.com/office/powerpoint/2010/main" val="1026734031"/>
+      </p:ext>
+    </p:extLst>
+  </p:cSld>
+  <p:clrMapOvr>
+    <a:masterClrMapping/>
+  </p:clrMapOvr>
+</p:sld>
+</file>
+
+<file path=ppt/slides/slide20.xml><?xml version="1.0" encoding="utf-8"?>
 <p:sld xmlns:a="http://schemas.openxmlformats.org/drawingml/2006/main" xmlns:r="http://schemas.openxmlformats.org/officeDocument/2006/relationships" xmlns:p="http://schemas.openxmlformats.org/presentationml/2006/main">
   <p:cSld>
     <p:spTree>
@@ -6672,7 +7345,7 @@
 </p:sld>
 </file>
 
-<file path=ppt/slides/slide19.xml><?xml version="1.0" encoding="utf-8"?>
+<file path=ppt/slides/slide21.xml><?xml version="1.0" encoding="utf-8"?>
 <p:sld xmlns:a="http://schemas.openxmlformats.org/drawingml/2006/main" xmlns:r="http://schemas.openxmlformats.org/officeDocument/2006/relationships" xmlns:p="http://schemas.openxmlformats.org/presentationml/2006/main">
   <p:cSld>
     <p:spTree>
@@ -6880,327 +7553,7 @@
 </p:sld>
 </file>
 
-<file path=ppt/slides/slide2.xml><?xml version="1.0" encoding="utf-8"?>
-<p:sld xmlns:a="http://schemas.openxmlformats.org/drawingml/2006/main" xmlns:r="http://schemas.openxmlformats.org/officeDocument/2006/relationships" xmlns:p="http://schemas.openxmlformats.org/presentationml/2006/main">
-  <p:cSld>
-    <p:spTree>
-      <p:nvGrpSpPr>
-        <p:cNvPr id="1" name=""/>
-        <p:cNvGrpSpPr/>
-        <p:nvPr/>
-      </p:nvGrpSpPr>
-      <p:grpSpPr>
-        <a:xfrm>
-          <a:off x="0" y="0"/>
-          <a:ext cx="0" cy="0"/>
-          <a:chOff x="0" y="0"/>
-          <a:chExt cx="0" cy="0"/>
-        </a:xfrm>
-      </p:grpSpPr>
-      <p:sp>
-        <p:nvSpPr>
-          <p:cNvPr id="2" name="Title 1"/>
-          <p:cNvSpPr>
-            <a:spLocks noGrp="1"/>
-          </p:cNvSpPr>
-          <p:nvPr>
-            <p:ph type="title"/>
-          </p:nvPr>
-        </p:nvSpPr>
-        <p:spPr/>
-        <p:txBody>
-          <a:bodyPr/>
-          <a:lstStyle/>
-          <a:p>
-            <a:r>
-              <a:rPr lang="es-AR" dirty="0" smtClean="0"/>
-              <a:t>Agenda</a:t>
-            </a:r>
-            <a:endParaRPr lang="es-AR" dirty="0"/>
-          </a:p>
-        </p:txBody>
-      </p:sp>
-      <p:sp>
-        <p:nvSpPr>
-          <p:cNvPr id="3" name="Content Placeholder 2"/>
-          <p:cNvSpPr>
-            <a:spLocks noGrp="1"/>
-          </p:cNvSpPr>
-          <p:nvPr>
-            <p:ph idx="1"/>
-          </p:nvPr>
-        </p:nvSpPr>
-        <p:spPr/>
-        <p:txBody>
-          <a:bodyPr/>
-          <a:lstStyle/>
-          <a:p>
-            <a:pPr>
-              <a:buFont typeface="Wingdings" pitchFamily="2" charset="2"/>
-              <a:buChar char="Ø"/>
-            </a:pPr>
-            <a:r>
-              <a:rPr lang="es-AR" dirty="0" smtClean="0"/>
-              <a:t>De 10 a 12.30 </a:t>
-            </a:r>
-            <a:r>
-              <a:rPr lang="es-AR" dirty="0" err="1" smtClean="0"/>
-              <a:t>hs</a:t>
-            </a:r>
-            <a:endParaRPr lang="es-AR" dirty="0" smtClean="0"/>
-          </a:p>
-          <a:p>
-            <a:pPr lvl="2">
-              <a:buFont typeface="Wingdings" pitchFamily="2" charset="2"/>
-              <a:buChar char="Ø"/>
-            </a:pPr>
-            <a:r>
-              <a:rPr lang="es-AR" dirty="0" smtClean="0"/>
-              <a:t>Porque venimos</a:t>
-            </a:r>
-          </a:p>
-          <a:p>
-            <a:pPr lvl="2">
-              <a:buFont typeface="Wingdings" pitchFamily="2" charset="2"/>
-              <a:buChar char="Ø"/>
-            </a:pPr>
-            <a:r>
-              <a:rPr lang="es-AR" dirty="0" err="1" smtClean="0"/>
-              <a:t>Introduccion</a:t>
-            </a:r>
-            <a:r>
-              <a:rPr lang="es-AR" dirty="0" smtClean="0"/>
-              <a:t> a la </a:t>
-            </a:r>
-            <a:r>
-              <a:rPr lang="es-AR" dirty="0" err="1" smtClean="0"/>
-              <a:t>programacion</a:t>
-            </a:r>
-            <a:endParaRPr lang="es-AR" dirty="0" smtClean="0"/>
-          </a:p>
-          <a:p>
-            <a:pPr lvl="2">
-              <a:buFont typeface="Wingdings" pitchFamily="2" charset="2"/>
-              <a:buChar char="Ø"/>
-            </a:pPr>
-            <a:r>
-              <a:rPr lang="es-AR" dirty="0" err="1" smtClean="0"/>
-              <a:t>Introduccion</a:t>
-            </a:r>
-            <a:r>
-              <a:rPr lang="es-AR" dirty="0" smtClean="0"/>
-              <a:t> a la </a:t>
-            </a:r>
-            <a:r>
-              <a:rPr lang="es-AR" dirty="0" err="1" smtClean="0"/>
-              <a:t>programacion</a:t>
-            </a:r>
-            <a:r>
-              <a:rPr lang="es-AR" dirty="0" smtClean="0"/>
-              <a:t> web</a:t>
-            </a:r>
-          </a:p>
-          <a:p>
-            <a:pPr lvl="2">
-              <a:buFont typeface="Wingdings" pitchFamily="2" charset="2"/>
-              <a:buChar char="Ø"/>
-            </a:pPr>
-            <a:r>
-              <a:rPr lang="es-AR" dirty="0" smtClean="0"/>
-              <a:t>Paradigmas, conceptos, </a:t>
-            </a:r>
-            <a:r>
-              <a:rPr lang="es-AR" dirty="0" err="1" smtClean="0"/>
-              <a:t>vision</a:t>
-            </a:r>
-            <a:r>
-              <a:rPr lang="es-AR" dirty="0" smtClean="0"/>
-              <a:t> y diseño web</a:t>
-            </a:r>
-          </a:p>
-          <a:p>
-            <a:pPr lvl="2">
-              <a:buFont typeface="Wingdings" pitchFamily="2" charset="2"/>
-              <a:buChar char="Ø"/>
-            </a:pPr>
-            <a:r>
-              <a:rPr lang="es-AR" dirty="0" smtClean="0"/>
-              <a:t>Web </a:t>
-            </a:r>
-            <a:r>
-              <a:rPr lang="es-AR" dirty="0" err="1" smtClean="0"/>
-              <a:t>Responsive</a:t>
-            </a:r>
-            <a:endParaRPr lang="es-AR" dirty="0" smtClean="0"/>
-          </a:p>
-          <a:p>
-            <a:pPr lvl="2">
-              <a:buFont typeface="Wingdings" pitchFamily="2" charset="2"/>
-              <a:buChar char="Ø"/>
-            </a:pPr>
-            <a:r>
-              <a:rPr lang="es-AR" dirty="0" smtClean="0"/>
-              <a:t>Instalando los entornos</a:t>
-            </a:r>
-          </a:p>
-          <a:p>
-            <a:pPr>
-              <a:buFont typeface="Wingdings" pitchFamily="2" charset="2"/>
-              <a:buChar char="Ø"/>
-            </a:pPr>
-            <a:r>
-              <a:rPr lang="es-AR" dirty="0" smtClean="0"/>
-              <a:t>De 12.30 a 13.30 Almuerzo</a:t>
-            </a:r>
-          </a:p>
-          <a:p>
-            <a:pPr>
-              <a:buFont typeface="Wingdings" pitchFamily="2" charset="2"/>
-              <a:buChar char="Ø"/>
-            </a:pPr>
-            <a:r>
-              <a:rPr lang="es-AR" dirty="0" smtClean="0"/>
-              <a:t>De 13.30 a 16 </a:t>
-            </a:r>
-            <a:r>
-              <a:rPr lang="es-AR" dirty="0" err="1" smtClean="0"/>
-              <a:t>hs</a:t>
-            </a:r>
-            <a:endParaRPr lang="es-AR" dirty="0" smtClean="0"/>
-          </a:p>
-          <a:p>
-            <a:pPr lvl="2">
-              <a:buFont typeface="Wingdings" pitchFamily="2" charset="2"/>
-              <a:buChar char="Ø"/>
-            </a:pPr>
-            <a:r>
-              <a:rPr lang="es-AR" dirty="0" err="1" smtClean="0"/>
-              <a:t>Introduccion</a:t>
-            </a:r>
-            <a:r>
-              <a:rPr lang="es-AR" dirty="0" smtClean="0"/>
-              <a:t> a la </a:t>
-            </a:r>
-            <a:r>
-              <a:rPr lang="es-AR" dirty="0" err="1" smtClean="0"/>
-              <a:t>programacion</a:t>
-            </a:r>
-            <a:r>
-              <a:rPr lang="es-AR" dirty="0" smtClean="0"/>
-              <a:t> con </a:t>
-            </a:r>
-            <a:r>
-              <a:rPr lang="es-AR" dirty="0" err="1" smtClean="0"/>
-              <a:t>node</a:t>
-            </a:r>
-            <a:r>
-              <a:rPr lang="es-AR" dirty="0" smtClean="0"/>
-              <a:t> </a:t>
-            </a:r>
-            <a:r>
-              <a:rPr lang="es-AR" dirty="0" err="1" smtClean="0"/>
-              <a:t>Js</a:t>
-            </a:r>
-            <a:r>
-              <a:rPr lang="es-AR" dirty="0" smtClean="0"/>
-              <a:t> Express</a:t>
-            </a:r>
-          </a:p>
-          <a:p>
-            <a:pPr lvl="2">
-              <a:buFont typeface="Wingdings" pitchFamily="2" charset="2"/>
-              <a:buChar char="Ø"/>
-            </a:pPr>
-            <a:r>
-              <a:rPr lang="es-AR" dirty="0" err="1" smtClean="0"/>
-              <a:t>Introduccion</a:t>
-            </a:r>
-            <a:r>
-              <a:rPr lang="es-AR" dirty="0" smtClean="0"/>
-              <a:t> a la </a:t>
-            </a:r>
-            <a:r>
-              <a:rPr lang="es-AR" dirty="0" err="1" smtClean="0"/>
-              <a:t>programacion</a:t>
-            </a:r>
-            <a:r>
-              <a:rPr lang="es-AR" dirty="0" smtClean="0"/>
-              <a:t> con angular 6 + </a:t>
-            </a:r>
-            <a:r>
-              <a:rPr lang="es-AR" dirty="0" err="1" smtClean="0"/>
-              <a:t>typescript</a:t>
-            </a:r>
-            <a:r>
-              <a:rPr lang="es-AR" dirty="0" smtClean="0"/>
-              <a:t> + test</a:t>
-            </a:r>
-          </a:p>
-          <a:p>
-            <a:pPr lvl="2">
-              <a:buFont typeface="Wingdings" pitchFamily="2" charset="2"/>
-              <a:buChar char="Ø"/>
-            </a:pPr>
-            <a:r>
-              <a:rPr lang="es-AR" dirty="0" err="1" smtClean="0"/>
-              <a:t>Introduccion</a:t>
-            </a:r>
-            <a:r>
-              <a:rPr lang="es-AR" dirty="0" smtClean="0"/>
-              <a:t> a la </a:t>
-            </a:r>
-            <a:r>
-              <a:rPr lang="es-AR" dirty="0" err="1" smtClean="0"/>
-              <a:t>programacion</a:t>
-            </a:r>
-            <a:r>
-              <a:rPr lang="es-AR" dirty="0" smtClean="0"/>
-              <a:t> con java </a:t>
-            </a:r>
-            <a:r>
-              <a:rPr lang="es-AR" dirty="0" err="1" smtClean="0"/>
-              <a:t>service</a:t>
-            </a:r>
-            <a:r>
-              <a:rPr lang="es-AR" dirty="0" smtClean="0"/>
-              <a:t> </a:t>
-            </a:r>
-            <a:r>
-              <a:rPr lang="es-AR" dirty="0" err="1" smtClean="0"/>
-              <a:t>backend</a:t>
-            </a:r>
-            <a:endParaRPr lang="es-AR" dirty="0" smtClean="0"/>
-          </a:p>
-          <a:p>
-            <a:pPr>
-              <a:buFont typeface="Wingdings" pitchFamily="2" charset="2"/>
-              <a:buChar char="Ø"/>
-            </a:pPr>
-            <a:endParaRPr lang="es-AR" dirty="0" smtClean="0"/>
-          </a:p>
-          <a:p>
-            <a:pPr>
-              <a:buFont typeface="Wingdings" pitchFamily="2" charset="2"/>
-              <a:buChar char="Ø"/>
-            </a:pPr>
-            <a:endParaRPr lang="es-AR" dirty="0"/>
-          </a:p>
-        </p:txBody>
-      </p:sp>
-    </p:spTree>
-    <p:extLst>
-      <p:ext uri="{BB962C8B-B14F-4D97-AF65-F5344CB8AC3E}">
-        <p14:creationId xmlns:p14="http://schemas.microsoft.com/office/powerpoint/2010/main" val="1026734031"/>
-      </p:ext>
-    </p:extLst>
-  </p:cSld>
-  <p:clrMapOvr>
-    <a:masterClrMapping/>
-  </p:clrMapOvr>
-</p:sld>
-</file>
-
-<file path=ppt/slides/slide20.xml><?xml version="1.0" encoding="utf-8"?>
+<file path=ppt/slides/slide22.xml><?xml version="1.0" encoding="utf-8"?>
 <p:sld xmlns:a="http://schemas.openxmlformats.org/drawingml/2006/main" xmlns:r="http://schemas.openxmlformats.org/officeDocument/2006/relationships" xmlns:p="http://schemas.openxmlformats.org/presentationml/2006/main">
   <p:cSld>
     <p:spTree>
@@ -7294,7 +7647,7 @@
 </p:sld>
 </file>
 
-<file path=ppt/slides/slide21.xml><?xml version="1.0" encoding="utf-8"?>
+<file path=ppt/slides/slide23.xml><?xml version="1.0" encoding="utf-8"?>
 <p:sld xmlns:a="http://schemas.openxmlformats.org/drawingml/2006/main" xmlns:r="http://schemas.openxmlformats.org/officeDocument/2006/relationships" xmlns:p="http://schemas.openxmlformats.org/presentationml/2006/main">
   <p:cSld>
     <p:spTree>
